--- a/KT_AIVLE_DX_Regular_course/Week1/DX_빅프로젝트_설명회 자료 (2)/개인별 과제 정의서 양식.pptx
+++ b/KT_AIVLE_DX_Regular_course/Week1/DX_빅프로젝트_설명회 자료 (2)/개인별 과제 정의서 양식.pptx
@@ -5,14 +5,15 @@
     <p:sldMasterId id="2147483656" r:id="rId4"/>
   </p:sldMasterIdLst>
   <p:notesMasterIdLst>
-    <p:notesMasterId r:id="rId7"/>
+    <p:notesMasterId r:id="rId8"/>
   </p:notesMasterIdLst>
   <p:handoutMasterIdLst>
-    <p:handoutMasterId r:id="rId8"/>
+    <p:handoutMasterId r:id="rId9"/>
   </p:handoutMasterIdLst>
   <p:sldIdLst>
     <p:sldId id="3622" r:id="rId5"/>
-    <p:sldId id="3532" r:id="rId6"/>
+    <p:sldId id="3624" r:id="rId6"/>
+    <p:sldId id="3532" r:id="rId7"/>
   </p:sldIdLst>
   <p:sldSz cx="12192000" cy="6858000"/>
   <p:notesSz cx="6858000" cy="9144000"/>
@@ -363,7 +364,7 @@
                 <a:latin typeface="맑은 고딕" panose="020B0503020000020004" pitchFamily="34" charset="-127"/>
                 <a:ea typeface="맑은 고딕" panose="020B0503020000020004" pitchFamily="34" charset="-127"/>
               </a:rPr>
-              <a:t>2024-12-17</a:t>
+              <a:t>2024-12-22</a:t>
             </a:fld>
             <a:endParaRPr lang="ko-KR" altLang="en-US">
               <a:latin typeface="맑은 고딕" panose="020B0503020000020004" pitchFamily="34" charset="-127"/>
@@ -1817,6 +1818,130 @@
           </a:bodyPr>
           <a:lstStyle/>
           <a:p>
+            <a:pPr marL="171450" marR="0" lvl="0" indent="-171450" algn="l" rtl="0">
+              <a:lnSpc>
+                <a:spcPct val="100000"/>
+              </a:lnSpc>
+              <a:spcBef>
+                <a:spcPts val="0"/>
+              </a:spcBef>
+              <a:spcAft>
+                <a:spcPts val="0"/>
+              </a:spcAft>
+              <a:buClr>
+                <a:srgbClr val="000000"/>
+              </a:buClr>
+              <a:buSzPts val="1400"/>
+              <a:buFontTx/>
+              <a:buChar char="-"/>
+            </a:pPr>
+            <a:endParaRPr lang="en-US" altLang="ko-KR" sz="1200" b="0" i="0" u="none" strike="noStrike" cap="none">
+              <a:solidFill>
+                <a:schemeClr val="dk1"/>
+              </a:solidFill>
+              <a:latin typeface="Malgun Gothic"/>
+              <a:ea typeface="Malgun Gothic"/>
+              <a:sym typeface="Malgun Gothic"/>
+            </a:endParaRPr>
+          </a:p>
+        </p:txBody>
+      </p:sp>
+      <p:sp>
+        <p:nvSpPr>
+          <p:cNvPr id="55" name="Google Shape;55;p2:notes"/>
+          <p:cNvSpPr>
+            <a:spLocks noGrp="1" noRot="1" noChangeAspect="1"/>
+          </p:cNvSpPr>
+          <p:nvPr>
+            <p:ph type="sldImg" idx="2"/>
+          </p:nvPr>
+        </p:nvSpPr>
+        <p:spPr>
+          <a:xfrm>
+            <a:off x="685800" y="1143000"/>
+            <a:ext cx="5486400" cy="3086100"/>
+          </a:xfrm>
+          <a:custGeom>
+            <a:avLst/>
+            <a:gdLst/>
+            <a:ahLst/>
+            <a:cxnLst/>
+            <a:rect l="l" t="t" r="r" b="b"/>
+            <a:pathLst>
+              <a:path w="120000" h="120000" extrusionOk="0">
+                <a:moveTo>
+                  <a:pt x="0" y="0"/>
+                </a:moveTo>
+                <a:lnTo>
+                  <a:pt x="120000" y="0"/>
+                </a:lnTo>
+                <a:lnTo>
+                  <a:pt x="120000" y="120000"/>
+                </a:lnTo>
+                <a:lnTo>
+                  <a:pt x="0" y="120000"/>
+                </a:lnTo>
+                <a:close/>
+              </a:path>
+            </a:pathLst>
+          </a:custGeom>
+        </p:spPr>
+      </p:sp>
+    </p:spTree>
+    <p:extLst>
+      <p:ext uri="{BB962C8B-B14F-4D97-AF65-F5344CB8AC3E}">
+        <p14:creationId xmlns:p14="http://schemas.microsoft.com/office/powerpoint/2010/main" val="720404047"/>
+      </p:ext>
+    </p:extLst>
+  </p:cSld>
+  <p:clrMapOvr>
+    <a:masterClrMapping/>
+  </p:clrMapOvr>
+</p:notes>
+</file>
+
+<file path=ppt/notesSlides/notesSlide3.xml><?xml version="1.0" encoding="utf-8"?>
+<p:notes xmlns:a="http://schemas.openxmlformats.org/drawingml/2006/main" xmlns:r="http://schemas.openxmlformats.org/officeDocument/2006/relationships" xmlns:p="http://schemas.openxmlformats.org/presentationml/2006/main" showMasterSp="0" showMasterPhAnim="0">
+  <p:cSld>
+    <p:spTree>
+      <p:nvGrpSpPr>
+        <p:cNvPr id="1" name="Shape 53"/>
+        <p:cNvGrpSpPr/>
+        <p:nvPr/>
+      </p:nvGrpSpPr>
+      <p:grpSpPr>
+        <a:xfrm>
+          <a:off x="0" y="0"/>
+          <a:ext cx="0" cy="0"/>
+          <a:chOff x="0" y="0"/>
+          <a:chExt cx="0" cy="0"/>
+        </a:xfrm>
+      </p:grpSpPr>
+      <p:sp>
+        <p:nvSpPr>
+          <p:cNvPr id="54" name="Google Shape;54;p2:notes"/>
+          <p:cNvSpPr txBox="1">
+            <a:spLocks noGrp="1"/>
+          </p:cNvSpPr>
+          <p:nvPr>
+            <p:ph type="body" idx="1"/>
+          </p:nvPr>
+        </p:nvSpPr>
+        <p:spPr>
+          <a:xfrm>
+            <a:off x="685800" y="4400550"/>
+            <a:ext cx="5486400" cy="3600450"/>
+          </a:xfrm>
+          <a:prstGeom prst="rect">
+            <a:avLst/>
+          </a:prstGeom>
+        </p:spPr>
+        <p:txBody>
+          <a:bodyPr spcFirstLastPara="1" wrap="square" lIns="91425" tIns="45700" rIns="91425" bIns="45700" anchor="t" anchorCtr="0">
+            <a:noAutofit/>
+          </a:bodyPr>
+          <a:lstStyle/>
+          <a:p>
             <a:pPr marL="0" lvl="0" indent="0" algn="l" rtl="0">
               <a:lnSpc>
                 <a:spcPct val="100000"/>
@@ -2727,450 +2852,6 @@
 </file>
 
 <file path=ppt/slideLayouts/slideLayout2.xml><?xml version="1.0" encoding="utf-8"?>
-<p:sldLayout xmlns:a="http://schemas.openxmlformats.org/drawingml/2006/main" xmlns:r="http://schemas.openxmlformats.org/officeDocument/2006/relationships" xmlns:p="http://schemas.openxmlformats.org/presentationml/2006/main" matchingName="Title and Content">
-  <p:cSld name="Title and Content">
-    <p:spTree>
-      <p:nvGrpSpPr>
-        <p:cNvPr id="1" name="Shape 36"/>
-        <p:cNvGrpSpPr/>
-        <p:nvPr/>
-      </p:nvGrpSpPr>
-      <p:grpSpPr>
-        <a:xfrm>
-          <a:off x="0" y="0"/>
-          <a:ext cx="0" cy="0"/>
-          <a:chOff x="0" y="0"/>
-          <a:chExt cx="0" cy="0"/>
-        </a:xfrm>
-      </p:grpSpPr>
-      <p:sp>
-        <p:nvSpPr>
-          <p:cNvPr id="37" name="Google Shape;37;p7"/>
-          <p:cNvSpPr txBox="1">
-            <a:spLocks noGrp="1"/>
-          </p:cNvSpPr>
-          <p:nvPr>
-            <p:ph type="body" idx="1"/>
-          </p:nvPr>
-        </p:nvSpPr>
-        <p:spPr>
-          <a:xfrm>
-            <a:off x="269241" y="1189178"/>
-            <a:ext cx="11653522" cy="689379"/>
-          </a:xfrm>
-          <a:prstGeom prst="rect">
-            <a:avLst/>
-          </a:prstGeom>
-          <a:noFill/>
-          <a:ln>
-            <a:noFill/>
-          </a:ln>
-        </p:spPr>
-        <p:txBody>
-          <a:bodyPr spcFirstLastPara="1" wrap="square" lIns="91425" tIns="45700" rIns="91425" bIns="45700" anchor="t" anchorCtr="0">
-            <a:spAutoFit/>
-          </a:bodyPr>
-          <a:lstStyle>
-            <a:lvl1pPr marL="562722" marR="0" lvl="0" indent="-484566" algn="l" rtl="0">
-              <a:lnSpc>
-                <a:spcPct val="90000"/>
-              </a:lnSpc>
-              <a:spcBef>
-                <a:spcPts val="1231"/>
-              </a:spcBef>
-              <a:spcAft>
-                <a:spcPts val="0"/>
-              </a:spcAft>
-              <a:buClr>
-                <a:schemeClr val="dk1"/>
-              </a:buClr>
-              <a:buSzPts val="2600"/>
-              <a:buFont typeface="Noto Sans Symbols"/>
-              <a:buChar char="✔"/>
-              <a:defRPr sz="3200" b="0" i="0" u="none" strike="noStrike" cap="none">
-                <a:solidFill>
-                  <a:schemeClr val="dk1"/>
-                </a:solidFill>
-                <a:latin typeface="Calibri"/>
-                <a:ea typeface="Calibri"/>
-                <a:cs typeface="Calibri"/>
-                <a:sym typeface="Calibri"/>
-              </a:defRPr>
-            </a:lvl1pPr>
-            <a:lvl2pPr marL="1125444" marR="0" lvl="1" indent="-433765" algn="l" rtl="0">
-              <a:lnSpc>
-                <a:spcPct val="90000"/>
-              </a:lnSpc>
-              <a:spcBef>
-                <a:spcPts val="615"/>
-              </a:spcBef>
-              <a:spcAft>
-                <a:spcPts val="0"/>
-              </a:spcAft>
-              <a:buClr>
-                <a:schemeClr val="dk1"/>
-              </a:buClr>
-              <a:buSzPts val="1950"/>
-              <a:buFont typeface="Noto Sans Symbols"/>
-              <a:buChar char="▪"/>
-              <a:defRPr sz="2400" b="0" i="0" u="none" strike="noStrike" cap="none">
-                <a:solidFill>
-                  <a:schemeClr val="dk1"/>
-                </a:solidFill>
-                <a:latin typeface="Calibri"/>
-                <a:ea typeface="Calibri"/>
-                <a:cs typeface="Calibri"/>
-                <a:sym typeface="Calibri"/>
-              </a:defRPr>
-            </a:lvl2pPr>
-            <a:lvl3pPr marL="1688165" marR="0" lvl="2" indent="-416804" algn="l" rtl="0">
-              <a:lnSpc>
-                <a:spcPct val="90000"/>
-              </a:lnSpc>
-              <a:spcBef>
-                <a:spcPts val="615"/>
-              </a:spcBef>
-              <a:spcAft>
-                <a:spcPts val="0"/>
-              </a:spcAft>
-              <a:buClr>
-                <a:schemeClr val="dk1"/>
-              </a:buClr>
-              <a:buSzPts val="1733"/>
-              <a:buFont typeface="Arial"/>
-              <a:buChar char="•"/>
-              <a:defRPr sz="2133" b="0" i="0" u="none" strike="noStrike" cap="none">
-                <a:solidFill>
-                  <a:schemeClr val="dk1"/>
-                </a:solidFill>
-                <a:latin typeface="Calibri"/>
-                <a:ea typeface="Calibri"/>
-                <a:cs typeface="Calibri"/>
-                <a:sym typeface="Calibri"/>
-              </a:defRPr>
-            </a:lvl3pPr>
-            <a:lvl4pPr marL="2250887" marR="0" lvl="3" indent="-422041" algn="l" rtl="0">
-              <a:lnSpc>
-                <a:spcPct val="90000"/>
-              </a:lnSpc>
-              <a:spcBef>
-                <a:spcPts val="615"/>
-              </a:spcBef>
-              <a:spcAft>
-                <a:spcPts val="0"/>
-              </a:spcAft>
-              <a:buClr>
-                <a:schemeClr val="dk1"/>
-              </a:buClr>
-              <a:buSzPts val="1800"/>
-              <a:buFont typeface="Arial"/>
-              <a:buChar char="•"/>
-              <a:defRPr sz="2215" b="0" i="0" u="none" strike="noStrike" cap="none">
-                <a:solidFill>
-                  <a:schemeClr val="dk1"/>
-                </a:solidFill>
-                <a:latin typeface="Calibri"/>
-                <a:ea typeface="Calibri"/>
-                <a:cs typeface="Calibri"/>
-                <a:sym typeface="Calibri"/>
-              </a:defRPr>
-            </a:lvl4pPr>
-            <a:lvl5pPr marL="2813609" marR="0" lvl="4" indent="-422041" algn="l" rtl="0">
-              <a:lnSpc>
-                <a:spcPct val="90000"/>
-              </a:lnSpc>
-              <a:spcBef>
-                <a:spcPts val="615"/>
-              </a:spcBef>
-              <a:spcAft>
-                <a:spcPts val="0"/>
-              </a:spcAft>
-              <a:buClr>
-                <a:schemeClr val="dk1"/>
-              </a:buClr>
-              <a:buSzPts val="1800"/>
-              <a:buFont typeface="Arial"/>
-              <a:buChar char="•"/>
-              <a:defRPr sz="2215" b="0" i="0" u="none" strike="noStrike" cap="none">
-                <a:solidFill>
-                  <a:schemeClr val="dk1"/>
-                </a:solidFill>
-                <a:latin typeface="Calibri"/>
-                <a:ea typeface="Calibri"/>
-                <a:cs typeface="Calibri"/>
-                <a:sym typeface="Calibri"/>
-              </a:defRPr>
-            </a:lvl5pPr>
-            <a:lvl6pPr marL="3376331" marR="0" lvl="5" indent="-422041" algn="l" rtl="0">
-              <a:lnSpc>
-                <a:spcPct val="90000"/>
-              </a:lnSpc>
-              <a:spcBef>
-                <a:spcPts val="615"/>
-              </a:spcBef>
-              <a:spcAft>
-                <a:spcPts val="0"/>
-              </a:spcAft>
-              <a:buClr>
-                <a:schemeClr val="dk1"/>
-              </a:buClr>
-              <a:buSzPts val="1800"/>
-              <a:buFont typeface="Arial"/>
-              <a:buChar char="•"/>
-              <a:defRPr sz="2215" b="0" i="0" u="none" strike="noStrike" cap="none">
-                <a:solidFill>
-                  <a:schemeClr val="dk1"/>
-                </a:solidFill>
-                <a:latin typeface="Calibri"/>
-                <a:ea typeface="Calibri"/>
-                <a:cs typeface="Calibri"/>
-                <a:sym typeface="Calibri"/>
-              </a:defRPr>
-            </a:lvl6pPr>
-            <a:lvl7pPr marL="3939052" marR="0" lvl="6" indent="-422041" algn="l" rtl="0">
-              <a:lnSpc>
-                <a:spcPct val="90000"/>
-              </a:lnSpc>
-              <a:spcBef>
-                <a:spcPts val="615"/>
-              </a:spcBef>
-              <a:spcAft>
-                <a:spcPts val="0"/>
-              </a:spcAft>
-              <a:buClr>
-                <a:schemeClr val="dk1"/>
-              </a:buClr>
-              <a:buSzPts val="1800"/>
-              <a:buFont typeface="Arial"/>
-              <a:buChar char="•"/>
-              <a:defRPr sz="2215" b="0" i="0" u="none" strike="noStrike" cap="none">
-                <a:solidFill>
-                  <a:schemeClr val="dk1"/>
-                </a:solidFill>
-                <a:latin typeface="Calibri"/>
-                <a:ea typeface="Calibri"/>
-                <a:cs typeface="Calibri"/>
-                <a:sym typeface="Calibri"/>
-              </a:defRPr>
-            </a:lvl7pPr>
-            <a:lvl8pPr marL="4501774" marR="0" lvl="7" indent="-422041" algn="l" rtl="0">
-              <a:lnSpc>
-                <a:spcPct val="90000"/>
-              </a:lnSpc>
-              <a:spcBef>
-                <a:spcPts val="615"/>
-              </a:spcBef>
-              <a:spcAft>
-                <a:spcPts val="0"/>
-              </a:spcAft>
-              <a:buClr>
-                <a:schemeClr val="dk1"/>
-              </a:buClr>
-              <a:buSzPts val="1800"/>
-              <a:buFont typeface="Arial"/>
-              <a:buChar char="•"/>
-              <a:defRPr sz="2215" b="0" i="0" u="none" strike="noStrike" cap="none">
-                <a:solidFill>
-                  <a:schemeClr val="dk1"/>
-                </a:solidFill>
-                <a:latin typeface="Calibri"/>
-                <a:ea typeface="Calibri"/>
-                <a:cs typeface="Calibri"/>
-                <a:sym typeface="Calibri"/>
-              </a:defRPr>
-            </a:lvl8pPr>
-            <a:lvl9pPr marL="5064496" marR="0" lvl="8" indent="-422041" algn="l" rtl="0">
-              <a:lnSpc>
-                <a:spcPct val="90000"/>
-              </a:lnSpc>
-              <a:spcBef>
-                <a:spcPts val="615"/>
-              </a:spcBef>
-              <a:spcAft>
-                <a:spcPts val="0"/>
-              </a:spcAft>
-              <a:buClr>
-                <a:schemeClr val="dk1"/>
-              </a:buClr>
-              <a:buSzPts val="1800"/>
-              <a:buFont typeface="Arial"/>
-              <a:buChar char="•"/>
-              <a:defRPr sz="2215" b="0" i="0" u="none" strike="noStrike" cap="none">
-                <a:solidFill>
-                  <a:schemeClr val="dk1"/>
-                </a:solidFill>
-                <a:latin typeface="Calibri"/>
-                <a:ea typeface="Calibri"/>
-                <a:cs typeface="Calibri"/>
-                <a:sym typeface="Calibri"/>
-              </a:defRPr>
-            </a:lvl9pPr>
-          </a:lstStyle>
-          <a:p>
-            <a:endParaRPr/>
-          </a:p>
-        </p:txBody>
-      </p:sp>
-      <p:sp>
-        <p:nvSpPr>
-          <p:cNvPr id="38" name="Google Shape;38;p7"/>
-          <p:cNvSpPr txBox="1">
-            <a:spLocks noGrp="1"/>
-          </p:cNvSpPr>
-          <p:nvPr>
-            <p:ph type="title"/>
-          </p:nvPr>
-        </p:nvSpPr>
-        <p:spPr>
-          <a:xfrm>
-            <a:off x="0" y="0"/>
-            <a:ext cx="3692308" cy="3000000"/>
-          </a:xfrm>
-          <a:prstGeom prst="rect">
-            <a:avLst/>
-          </a:prstGeom>
-          <a:noFill/>
-          <a:ln>
-            <a:noFill/>
-          </a:ln>
-        </p:spPr>
-        <p:txBody>
-          <a:bodyPr spcFirstLastPara="1" wrap="square" lIns="91425" tIns="45700" rIns="91425" bIns="45700" anchor="t" anchorCtr="0">
-            <a:noAutofit/>
-          </a:bodyPr>
-          <a:lstStyle>
-            <a:lvl1pPr marR="0" lvl="0" algn="l" rtl="0">
-              <a:lnSpc>
-                <a:spcPct val="90000"/>
-              </a:lnSpc>
-              <a:spcBef>
-                <a:spcPts val="0"/>
-              </a:spcBef>
-              <a:spcAft>
-                <a:spcPts val="0"/>
-              </a:spcAft>
-              <a:buClr>
-                <a:schemeClr val="dk1"/>
-              </a:buClr>
-              <a:buSzPts val="4400"/>
-              <a:buFont typeface="Calibri"/>
-              <a:buNone/>
-              <a:defRPr sz="5416" b="0" i="0" u="none" strike="noStrike" cap="none">
-                <a:solidFill>
-                  <a:schemeClr val="dk1"/>
-                </a:solidFill>
-                <a:latin typeface="Calibri"/>
-                <a:ea typeface="Calibri"/>
-                <a:cs typeface="Calibri"/>
-                <a:sym typeface="Calibri"/>
-              </a:defRPr>
-            </a:lvl1pPr>
-            <a:lvl2pPr lvl="1">
-              <a:spcBef>
-                <a:spcPts val="0"/>
-              </a:spcBef>
-              <a:spcAft>
-                <a:spcPts val="0"/>
-              </a:spcAft>
-              <a:buSzPts val="1400"/>
-              <a:buNone/>
-              <a:defRPr sz="2215"/>
-            </a:lvl2pPr>
-            <a:lvl3pPr lvl="2">
-              <a:spcBef>
-                <a:spcPts val="0"/>
-              </a:spcBef>
-              <a:spcAft>
-                <a:spcPts val="0"/>
-              </a:spcAft>
-              <a:buSzPts val="1400"/>
-              <a:buNone/>
-              <a:defRPr sz="2215"/>
-            </a:lvl3pPr>
-            <a:lvl4pPr lvl="3">
-              <a:spcBef>
-                <a:spcPts val="0"/>
-              </a:spcBef>
-              <a:spcAft>
-                <a:spcPts val="0"/>
-              </a:spcAft>
-              <a:buSzPts val="1400"/>
-              <a:buNone/>
-              <a:defRPr sz="2215"/>
-            </a:lvl4pPr>
-            <a:lvl5pPr lvl="4">
-              <a:spcBef>
-                <a:spcPts val="0"/>
-              </a:spcBef>
-              <a:spcAft>
-                <a:spcPts val="0"/>
-              </a:spcAft>
-              <a:buSzPts val="1400"/>
-              <a:buNone/>
-              <a:defRPr sz="2215"/>
-            </a:lvl5pPr>
-            <a:lvl6pPr lvl="5">
-              <a:spcBef>
-                <a:spcPts val="0"/>
-              </a:spcBef>
-              <a:spcAft>
-                <a:spcPts val="0"/>
-              </a:spcAft>
-              <a:buSzPts val="1400"/>
-              <a:buNone/>
-              <a:defRPr sz="2215"/>
-            </a:lvl6pPr>
-            <a:lvl7pPr lvl="6">
-              <a:spcBef>
-                <a:spcPts val="0"/>
-              </a:spcBef>
-              <a:spcAft>
-                <a:spcPts val="0"/>
-              </a:spcAft>
-              <a:buSzPts val="1400"/>
-              <a:buNone/>
-              <a:defRPr sz="2215"/>
-            </a:lvl7pPr>
-            <a:lvl8pPr lvl="7">
-              <a:spcBef>
-                <a:spcPts val="0"/>
-              </a:spcBef>
-              <a:spcAft>
-                <a:spcPts val="0"/>
-              </a:spcAft>
-              <a:buSzPts val="1400"/>
-              <a:buNone/>
-              <a:defRPr sz="2215"/>
-            </a:lvl8pPr>
-            <a:lvl9pPr lvl="8">
-              <a:spcBef>
-                <a:spcPts val="0"/>
-              </a:spcBef>
-              <a:spcAft>
-                <a:spcPts val="0"/>
-              </a:spcAft>
-              <a:buSzPts val="1400"/>
-              <a:buNone/>
-              <a:defRPr sz="2215"/>
-            </a:lvl9pPr>
-          </a:lstStyle>
-          <a:p>
-            <a:endParaRPr/>
-          </a:p>
-        </p:txBody>
-      </p:sp>
-    </p:spTree>
-  </p:cSld>
-  <p:clrMapOvr>
-    <a:masterClrMapping/>
-  </p:clrMapOvr>
-  <p:transition>
-    <p:fade/>
-  </p:transition>
-</p:sldLayout>
-</file>
-
-<file path=ppt/slideLayouts/slideLayout3.xml><?xml version="1.0" encoding="utf-8"?>
 <p:sldLayout xmlns:a="http://schemas.openxmlformats.org/drawingml/2006/main" xmlns:r="http://schemas.openxmlformats.org/officeDocument/2006/relationships" xmlns:p="http://schemas.openxmlformats.org/presentationml/2006/main" matchingName="제목 및 내용" type="obj">
   <p:cSld name="OBJECT">
     <p:spTree>
@@ -3707,7 +3388,7 @@
 </p:sldLayout>
 </file>
 
-<file path=ppt/slideLayouts/slideLayout4.xml><?xml version="1.0" encoding="utf-8"?>
+<file path=ppt/slideLayouts/slideLayout3.xml><?xml version="1.0" encoding="utf-8"?>
 <p:sldLayout xmlns:a="http://schemas.openxmlformats.org/drawingml/2006/main" xmlns:r="http://schemas.openxmlformats.org/officeDocument/2006/relationships" xmlns:p="http://schemas.openxmlformats.org/presentationml/2006/main" matchingName="Section Title">
   <p:cSld name="Section Title">
     <p:spTree>
@@ -3913,9 +3594,8 @@
   <p:clrMap bg1="lt1" tx1="dk1" bg2="dk2" tx2="lt2" accent1="accent1" accent2="accent2" accent3="accent3" accent4="accent4" accent5="accent5" accent6="accent6" hlink="hlink" folHlink="folHlink"/>
   <p:sldLayoutIdLst>
     <p:sldLayoutId id="2147483649" r:id="rId1"/>
-    <p:sldLayoutId id="2147483653" r:id="rId2"/>
-    <p:sldLayoutId id="2147483654" r:id="rId3"/>
-    <p:sldLayoutId id="2147483655" r:id="rId4"/>
+    <p:sldLayoutId id="2147483654" r:id="rId2"/>
+    <p:sldLayoutId id="2147483655" r:id="rId3"/>
   </p:sldLayoutIdLst>
   <p:hf sldNum="0" hdr="0" ftr="0" dt="0"/>
   <p:txStyles>
@@ -4712,14 +4392,14 @@
           <p:nvPr>
             <p:extLst>
               <p:ext uri="{D42A27DB-BD31-4B8C-83A1-F6EECF244321}">
-                <p14:modId xmlns:p14="http://schemas.microsoft.com/office/powerpoint/2010/main" val="2668247945"/>
+                <p14:modId xmlns:p14="http://schemas.microsoft.com/office/powerpoint/2010/main" val="2898852984"/>
               </p:ext>
             </p:extLst>
           </p:nvPr>
         </p:nvGraphicFramePr>
         <p:xfrm>
-          <a:off x="696000" y="1163362"/>
-          <a:ext cx="10800000" cy="5214952"/>
+          <a:off x="696000" y="1068112"/>
+          <a:ext cx="10800000" cy="5540499"/>
         </p:xfrm>
         <a:graphic>
           <a:graphicData uri="http://schemas.openxmlformats.org/drawingml/2006/table">
@@ -4728,14 +4408,14 @@
                 <a:noFill/>
               </a:tblPr>
               <a:tblGrid>
-                <a:gridCol w="2394041">
+                <a:gridCol w="2342475">
                   <a:extLst>
                     <a:ext uri="{9D8B030D-6E8A-4147-A177-3AD203B41FA5}">
                       <a16:colId xmlns:a16="http://schemas.microsoft.com/office/drawing/2014/main" val="20000"/>
                     </a:ext>
                   </a:extLst>
                 </a:gridCol>
-                <a:gridCol w="3005959">
+                <a:gridCol w="3057525">
                   <a:extLst>
                     <a:ext uri="{9D8B030D-6E8A-4147-A177-3AD203B41FA5}">
                       <a16:colId xmlns:a16="http://schemas.microsoft.com/office/drawing/2014/main" val="20002"/>
@@ -4757,7 +4437,7 @@
                   </a:extLst>
                 </a:gridCol>
               </a:tblGrid>
-              <a:tr h="447832">
+              <a:tr h="442438">
                 <a:tc>
                   <a:txBody>
                     <a:bodyPr/>
@@ -4855,7 +4535,17 @@
                           <a:latin typeface="나눔스퀘어 Bold" panose="020B0600000101010101" pitchFamily="50" charset="-127"/>
                           <a:ea typeface="나눔스퀘어 Bold" panose="020B0600000101010101" pitchFamily="50" charset="-127"/>
                         </a:rPr>
-                        <a:t>[00</a:t>
+                        <a:t>[DX</a:t>
+                      </a:r>
+                      <a:r>
+                        <a:rPr lang="en-US" altLang="ko-KR" dirty="0">
+                          <a:solidFill>
+                            <a:schemeClr val="tx1"/>
+                          </a:solidFill>
+                          <a:latin typeface="나눔스퀘어 Bold" panose="020B0600000101010101" pitchFamily="50" charset="-127"/>
+                          <a:ea typeface="나눔스퀘어 Bold" panose="020B0600000101010101" pitchFamily="50" charset="-127"/>
+                        </a:rPr>
+                        <a:t>] 04</a:t>
                       </a:r>
                       <a:r>
                         <a:rPr lang="ko-KR" altLang="en-US" dirty="0">
@@ -4865,7 +4555,7 @@
                           <a:latin typeface="나눔스퀘어 Bold" panose="020B0600000101010101" pitchFamily="50" charset="-127"/>
                           <a:ea typeface="나눔스퀘어 Bold" panose="020B0600000101010101" pitchFamily="50" charset="-127"/>
                         </a:rPr>
-                        <a:t>조</a:t>
+                        <a:t>반 </a:t>
                       </a:r>
                       <a:r>
                         <a:rPr lang="en-US" altLang="ko-KR" dirty="0">
@@ -4875,47 +4565,7 @@
                           <a:latin typeface="나눔스퀘어 Bold" panose="020B0600000101010101" pitchFamily="50" charset="-127"/>
                           <a:ea typeface="나눔스퀘어 Bold" panose="020B0600000101010101" pitchFamily="50" charset="-127"/>
                         </a:rPr>
-                        <a:t>] </a:t>
-                      </a:r>
-                      <a:r>
-                        <a:rPr lang="ko-KR" altLang="en-US" dirty="0">
-                          <a:solidFill>
-                            <a:schemeClr val="tx1"/>
-                          </a:solidFill>
-                          <a:latin typeface="나눔스퀘어 Bold" panose="020B0600000101010101" pitchFamily="50" charset="-127"/>
-                          <a:ea typeface="나눔스퀘어 Bold" panose="020B0600000101010101" pitchFamily="50" charset="-127"/>
-                        </a:rPr>
-                        <a:t>권역 </a:t>
-                      </a:r>
-                      <a:r>
-                        <a:rPr lang="en-US" altLang="ko-KR" dirty="0">
-                          <a:solidFill>
-                            <a:schemeClr val="tx1"/>
-                          </a:solidFill>
-                          <a:latin typeface="나눔스퀘어 Bold" panose="020B0600000101010101" pitchFamily="50" charset="-127"/>
-                          <a:ea typeface="나눔스퀘어 Bold" panose="020B0600000101010101" pitchFamily="50" charset="-127"/>
-                        </a:rPr>
-                        <a:t>0</a:t>
-                      </a:r>
-                      <a:r>
-                        <a:rPr lang="ko-KR" altLang="en-US" dirty="0">
-                          <a:solidFill>
-                            <a:schemeClr val="tx1"/>
-                          </a:solidFill>
-                          <a:latin typeface="나눔스퀘어 Bold" panose="020B0600000101010101" pitchFamily="50" charset="-127"/>
-                          <a:ea typeface="나눔스퀘어 Bold" panose="020B0600000101010101" pitchFamily="50" charset="-127"/>
-                        </a:rPr>
-                        <a:t>반 </a:t>
-                      </a:r>
-                      <a:r>
-                        <a:rPr lang="en-US" altLang="ko-KR" dirty="0">
-                          <a:solidFill>
-                            <a:schemeClr val="tx1"/>
-                          </a:solidFill>
-                          <a:latin typeface="나눔스퀘어 Bold" panose="020B0600000101010101" pitchFamily="50" charset="-127"/>
-                          <a:ea typeface="나눔스퀘어 Bold" panose="020B0600000101010101" pitchFamily="50" charset="-127"/>
-                        </a:rPr>
-                        <a:t>0</a:t>
+                        <a:t>10</a:t>
                       </a:r>
                       <a:r>
                         <a:rPr lang="ko-KR" altLang="en-US" dirty="0">
@@ -5078,14 +4728,67 @@
                         <a:buNone/>
                       </a:pPr>
                       <a:r>
-                        <a:rPr lang="en-US" altLang="ko-KR" dirty="0">
+                        <a:rPr lang="en-US" altLang="ko-KR" sz="1800" b="1" spc="-30" dirty="0">
+                          <a:ln w="9525" cap="rnd" cmpd="sng" algn="ctr">
+                            <a:solidFill>
+                              <a:srgbClr val="7F7F7F">
+                                <a:alpha val="0"/>
+                              </a:srgbClr>
+                            </a:solidFill>
+                            <a:prstDash val="solid"/>
+                            <a:bevel/>
+                          </a:ln>
                           <a:solidFill>
-                            <a:schemeClr val="tx1"/>
+                            <a:srgbClr val="000000"/>
                           </a:solidFill>
+                          <a:effectLst/>
                           <a:latin typeface="나눔스퀘어 Bold" panose="020B0600000101010101" pitchFamily="50" charset="-127"/>
                           <a:ea typeface="나눔스퀘어 Bold" panose="020B0600000101010101" pitchFamily="50" charset="-127"/>
-                        </a:rPr>
-                        <a:t>OOOOO</a:t>
+                          <a:cs typeface="굴림" panose="020B0600000101010101" pitchFamily="50" charset="-127"/>
+                        </a:rPr>
+                        <a:t>AI </a:t>
+                      </a:r>
+                      <a:r>
+                        <a:rPr lang="ko-KR" altLang="ko-KR" sz="1800" b="1" spc="-30" dirty="0">
+                          <a:ln w="9525" cap="rnd" cmpd="sng" algn="ctr">
+                            <a:solidFill>
+                              <a:srgbClr val="7F7F7F">
+                                <a:alpha val="0"/>
+                              </a:srgbClr>
+                            </a:solidFill>
+                            <a:prstDash val="solid"/>
+                            <a:bevel/>
+                          </a:ln>
+                          <a:solidFill>
+                            <a:srgbClr val="000000"/>
+                          </a:solidFill>
+                          <a:effectLst/>
+                          <a:latin typeface="나눔스퀘어 Bold" panose="020B0600000101010101" pitchFamily="50" charset="-127"/>
+                          <a:ea typeface="나눔스퀘어 Bold" panose="020B0600000101010101" pitchFamily="50" charset="-127"/>
+                          <a:cs typeface="굴림" panose="020B0600000101010101" pitchFamily="50" charset="-127"/>
+                        </a:rPr>
+                        <a:t>어시스턴트</a:t>
+                      </a:r>
+                      <a:r>
+                        <a:rPr lang="en-US" altLang="ko-KR" sz="1800" b="1" spc="-30" dirty="0">
+                          <a:ln w="9525" cap="rnd" cmpd="sng" algn="ctr">
+                            <a:solidFill>
+                              <a:srgbClr val="7F7F7F">
+                                <a:alpha val="0"/>
+                              </a:srgbClr>
+                            </a:solidFill>
+                            <a:prstDash val="solid"/>
+                            <a:bevel/>
+                          </a:ln>
+                          <a:solidFill>
+                            <a:srgbClr val="000000"/>
+                          </a:solidFill>
+                          <a:effectLst/>
+                          <a:latin typeface="나눔스퀘어 Bold" panose="020B0600000101010101" pitchFamily="50" charset="-127"/>
+                          <a:ea typeface="나눔스퀘어 Bold" panose="020B0600000101010101" pitchFamily="50" charset="-127"/>
+                          <a:cs typeface="굴림" panose="020B0600000101010101" pitchFamily="50" charset="-127"/>
+                        </a:rPr>
+                        <a:t> </a:t>
                       </a:r>
                       <a:endParaRPr dirty="0">
                         <a:solidFill>
@@ -5144,7 +4847,7 @@
                   </a:ext>
                 </a:extLst>
               </a:tr>
-              <a:tr h="369289">
+              <a:tr h="364841">
                 <a:tc>
                   <a:txBody>
                     <a:bodyPr/>
@@ -5222,7 +4925,7 @@
                     <a:bodyPr/>
                     <a:lstStyle/>
                     <a:p>
-                      <a:pPr marL="0" marR="0" lvl="0" indent="0" algn="l" rtl="0">
+                      <a:pPr marL="0" marR="0" lvl="0" indent="0" algn="ctr" rtl="0">
                         <a:spcBef>
                           <a:spcPts val="0"/>
                         </a:spcBef>
@@ -5231,6 +4934,16 @@
                         </a:spcAft>
                         <a:buNone/>
                       </a:pPr>
+                      <a:r>
+                        <a:rPr lang="ko-KR" altLang="en-US" sz="1400" u="none" strike="noStrike" cap="none" dirty="0">
+                          <a:solidFill>
+                            <a:schemeClr val="tx1"/>
+                          </a:solidFill>
+                          <a:latin typeface="나눔스퀘어 Bold" panose="020B0600000101010101" pitchFamily="50" charset="-127"/>
+                          <a:ea typeface="나눔스퀘어 Bold" panose="020B0600000101010101" pitchFamily="50" charset="-127"/>
+                        </a:rPr>
+                        <a:t>양정우</a:t>
+                      </a:r>
                       <a:endParaRPr sz="1400" u="none" strike="noStrike" cap="none" dirty="0">
                         <a:solidFill>
                           <a:schemeClr val="tx1"/>
@@ -5310,7 +5023,7 @@
                   </a:ext>
                 </a:extLst>
               </a:tr>
-              <a:tr h="379137">
+              <a:tr h="374570">
                 <a:tc>
                   <a:txBody>
                     <a:bodyPr/>
@@ -5408,17 +5121,30 @@
                         <a:defRPr/>
                       </a:pPr>
                       <a:r>
-                        <a:rPr lang="ko-KR" altLang="en-US" sz="1400" b="1" dirty="0">
-                          <a:solidFill>
-                            <a:schemeClr val="bg1">
-                              <a:lumMod val="75000"/>
-                            </a:schemeClr>
-                          </a:solidFill>
-                          <a:latin typeface="나눔스퀘어 Bold" panose="020B0600000101010101" pitchFamily="50" charset="-127"/>
-                          <a:ea typeface="나눔스퀘어 Bold" panose="020B0600000101010101" pitchFamily="50" charset="-127"/>
-                        </a:rPr>
-                        <a:t>기술과 솔루션이 명확하게 드러나도록 작성</a:t>
-                      </a:r>
+                        <a:rPr lang="en-US" altLang="ko-KR" sz="1400" dirty="0"/>
+                        <a:t>AI </a:t>
+                      </a:r>
+                      <a:r>
+                        <a:rPr lang="ko-KR" altLang="en-US" sz="1400" dirty="0"/>
+                        <a:t>기반 </a:t>
+                      </a:r>
+                      <a:r>
+                        <a:rPr lang="ko-KR" altLang="en-US" sz="1400" dirty="0" err="1"/>
+                        <a:t>딥페이크</a:t>
+                      </a:r>
+                      <a:r>
+                        <a:rPr lang="ko-KR" altLang="en-US" sz="1400" dirty="0"/>
+                        <a:t> 탐지 및 피해자 지원 통합 솔루션 구축</a:t>
+                      </a:r>
+                      <a:endParaRPr lang="ko-KR" altLang="en-US" sz="1400" b="1" dirty="0">
+                        <a:solidFill>
+                          <a:schemeClr val="bg1">
+                            <a:lumMod val="75000"/>
+                          </a:schemeClr>
+                        </a:solidFill>
+                        <a:latin typeface="나눔스퀘어 Bold" panose="020B0600000101010101" pitchFamily="50" charset="-127"/>
+                        <a:ea typeface="나눔스퀘어 Bold" panose="020B0600000101010101" pitchFamily="50" charset="-127"/>
+                      </a:endParaRPr>
                     </a:p>
                   </a:txBody>
                   <a:tcPr marL="91450" marR="91450" marT="45725" marB="45725" anchor="ctr">
@@ -5491,7 +5217,7 @@
                   </a:ext>
                 </a:extLst>
               </a:tr>
-              <a:tr h="1752532">
+              <a:tr h="4306152">
                 <a:tc>
                   <a:txBody>
                     <a:bodyPr/>
@@ -5628,24 +5354,365 @@
                     <a:bodyPr/>
                     <a:lstStyle/>
                     <a:p>
-                      <a:pPr marL="0" marR="0" lvl="0" indent="0" algn="ctr" rtl="0">
-                        <a:spcBef>
-                          <a:spcPts val="0"/>
-                        </a:spcBef>
-                        <a:spcAft>
-                          <a:spcPts val="0"/>
-                        </a:spcAft>
-                        <a:buNone/>
-                      </a:pPr>
-                      <a:endParaRPr sz="1400" b="1" u="none" strike="noStrike" cap="none" dirty="0">
-                        <a:solidFill>
-                          <a:schemeClr val="bg1">
-                            <a:lumMod val="75000"/>
-                          </a:schemeClr>
-                        </a:solidFill>
-                        <a:latin typeface="나눔스퀘어 Bold" panose="020B0600000101010101" pitchFamily="50" charset="-127"/>
-                        <a:ea typeface="나눔스퀘어 Bold" panose="020B0600000101010101" pitchFamily="50" charset="-127"/>
-                      </a:endParaRPr>
+                      <a:r>
+                        <a:rPr lang="en-US" altLang="ko-KR" sz="1400" b="1" dirty="0"/>
+                        <a:t>[</a:t>
+                      </a:r>
+                      <a:r>
+                        <a:rPr lang="ko-KR" altLang="en-US" sz="1400" b="1" dirty="0">
+                          <a:solidFill>
+                            <a:srgbClr val="FF0000"/>
+                          </a:solidFill>
+                        </a:rPr>
+                        <a:t>서비스 주요 기능</a:t>
+                      </a:r>
+                      <a:r>
+                        <a:rPr lang="en-US" altLang="ko-KR" sz="1400" b="1" dirty="0"/>
+                        <a:t>]</a:t>
+                      </a:r>
+                    </a:p>
+                    <a:p>
+                      <a:r>
+                        <a:rPr lang="en-US" altLang="ko-KR" sz="1400" b="1" dirty="0"/>
+                        <a:t>1) </a:t>
+                      </a:r>
+                      <a:r>
+                        <a:rPr lang="ko-KR" altLang="en-US" sz="1400" b="1" dirty="0"/>
+                        <a:t>콘텐츠 탐지 및 삭제</a:t>
+                      </a:r>
+                    </a:p>
+                    <a:p>
+                      <a:r>
+                        <a:rPr lang="en-US" altLang="ko-KR" sz="1400" dirty="0"/>
+                        <a:t>- AI </a:t>
+                      </a:r>
+                      <a:r>
+                        <a:rPr lang="ko-KR" altLang="en-US" sz="1400" dirty="0"/>
+                        <a:t>기반 딥러닝 모델을 활용해 영상</a:t>
+                      </a:r>
+                      <a:r>
+                        <a:rPr lang="en-US" altLang="ko-KR" sz="1400" dirty="0"/>
+                        <a:t>, </a:t>
+                      </a:r>
+                      <a:r>
+                        <a:rPr lang="ko-KR" altLang="en-US" sz="1400" dirty="0"/>
+                        <a:t>이미지</a:t>
+                      </a:r>
+                      <a:r>
+                        <a:rPr lang="en-US" altLang="ko-KR" sz="1400" dirty="0"/>
+                        <a:t>, </a:t>
+                      </a:r>
+                      <a:r>
+                        <a:rPr lang="ko-KR" altLang="en-US" sz="1400" dirty="0"/>
+                        <a:t>음성 콘텐츠에서 </a:t>
+                      </a:r>
+                      <a:r>
+                        <a:rPr lang="ko-KR" altLang="en-US" sz="1400" dirty="0" err="1"/>
+                        <a:t>딥페이크</a:t>
+                      </a:r>
+                      <a:r>
+                        <a:rPr lang="ko-KR" altLang="en-US" sz="1400" dirty="0"/>
+                        <a:t> 여부를 실시간으로 분석</a:t>
+                      </a:r>
+                      <a:r>
+                        <a:rPr lang="en-US" altLang="ko-KR" sz="1400" dirty="0"/>
+                        <a:t>.</a:t>
+                      </a:r>
+                    </a:p>
+                    <a:p>
+                      <a:r>
+                        <a:rPr lang="en-US" altLang="ko-KR" sz="1400" dirty="0"/>
+                        <a:t>- </a:t>
+                      </a:r>
+                      <a:r>
+                        <a:rPr lang="ko-KR" altLang="en-US" sz="1400" dirty="0"/>
+                        <a:t>탐지된 불법 콘텐츠에 대해 자동으로 삭제 요청 및 확산 방지 처리</a:t>
+                      </a:r>
+                      <a:r>
+                        <a:rPr lang="en-US" altLang="ko-KR" sz="1400" dirty="0"/>
+                        <a:t>.</a:t>
+                      </a:r>
+                    </a:p>
+                    <a:p>
+                      <a:r>
+                        <a:rPr lang="en-US" altLang="ko-KR" sz="1400" b="1" dirty="0"/>
+                        <a:t>2) </a:t>
+                      </a:r>
+                      <a:r>
+                        <a:rPr lang="ko-KR" altLang="en-US" sz="1400" b="1" dirty="0"/>
+                        <a:t>원스톱 피해자 지원 시스템</a:t>
+                      </a:r>
+                    </a:p>
+                    <a:p>
+                      <a:r>
+                        <a:rPr lang="en-US" altLang="ko-KR" sz="1400" dirty="0"/>
+                        <a:t>- </a:t>
+                      </a:r>
+                      <a:r>
+                        <a:rPr lang="ko-KR" altLang="en-US" sz="1400" dirty="0"/>
+                        <a:t>피해자가 신고한 내용을 기반으로 법적 증거를 수집하고 보관</a:t>
+                      </a:r>
+                      <a:r>
+                        <a:rPr lang="en-US" altLang="ko-KR" sz="1400" dirty="0"/>
+                        <a:t>.</a:t>
+                      </a:r>
+                    </a:p>
+                    <a:p>
+                      <a:r>
+                        <a:rPr lang="en-US" altLang="ko-KR" sz="1400" dirty="0"/>
+                        <a:t>- </a:t>
+                      </a:r>
+                      <a:r>
+                        <a:rPr lang="ko-KR" altLang="en-US" sz="1400" dirty="0"/>
+                        <a:t>심리 상담 및 법률 지원을 통합적으로 제공하여 피해자 보호 및 안정 지원</a:t>
+                      </a:r>
+                      <a:r>
+                        <a:rPr lang="en-US" altLang="ko-KR" sz="1400" dirty="0"/>
+                        <a:t>.</a:t>
+                      </a:r>
+                    </a:p>
+                    <a:p>
+                      <a:r>
+                        <a:rPr lang="en-US" altLang="ko-KR" sz="1400" b="1" dirty="0"/>
+                        <a:t>3) </a:t>
+                      </a:r>
+                      <a:r>
+                        <a:rPr lang="ko-KR" altLang="en-US" sz="1400" b="1" dirty="0"/>
+                        <a:t>글로벌 플랫폼 연동</a:t>
+                      </a:r>
+                    </a:p>
+                    <a:p>
+                      <a:r>
+                        <a:rPr lang="en-US" altLang="ko-KR" sz="1400" dirty="0"/>
+                        <a:t>- SNS, </a:t>
+                      </a:r>
+                      <a:r>
+                        <a:rPr lang="ko-KR" altLang="en-US" sz="1400" dirty="0"/>
+                        <a:t>스트리밍 플랫폼과 </a:t>
+                      </a:r>
+                      <a:r>
+                        <a:rPr lang="en-US" altLang="ko-KR" sz="1400" dirty="0"/>
+                        <a:t>API </a:t>
+                      </a:r>
+                      <a:r>
+                        <a:rPr lang="ko-KR" altLang="en-US" sz="1400" dirty="0"/>
+                        <a:t>연동을 통해 콘텐츠 확산 경로를 차단</a:t>
+                      </a:r>
+                      <a:r>
+                        <a:rPr lang="en-US" altLang="ko-KR" sz="1400" dirty="0"/>
+                        <a:t>.</a:t>
+                      </a:r>
+                    </a:p>
+                    <a:p>
+                      <a:r>
+                        <a:rPr lang="en-US" altLang="ko-KR" sz="1400" dirty="0"/>
+                        <a:t>- </a:t>
+                      </a:r>
+                      <a:r>
+                        <a:rPr lang="ko-KR" altLang="en-US" sz="1400" dirty="0"/>
+                        <a:t>자동 삭제 요청 및 차단 프로세스를 통해 확산 방지</a:t>
+                      </a:r>
+                      <a:r>
+                        <a:rPr lang="en-US" altLang="ko-KR" sz="1400" dirty="0"/>
+                        <a:t>.</a:t>
+                      </a:r>
+                    </a:p>
+                    <a:p>
+                      <a:r>
+                        <a:rPr lang="en-US" altLang="ko-KR" sz="1400" b="1" dirty="0"/>
+                        <a:t>[</a:t>
+                      </a:r>
+                      <a:r>
+                        <a:rPr lang="en-US" altLang="ko-KR" sz="1400" b="1" dirty="0">
+                          <a:solidFill>
+                            <a:srgbClr val="FF0000"/>
+                          </a:solidFill>
+                        </a:rPr>
+                        <a:t>AI </a:t>
+                      </a:r>
+                      <a:r>
+                        <a:rPr lang="ko-KR" altLang="en-US" sz="1400" b="1" dirty="0">
+                          <a:solidFill>
+                            <a:srgbClr val="FF0000"/>
+                          </a:solidFill>
+                        </a:rPr>
+                        <a:t>주요 기능</a:t>
+                      </a:r>
+                      <a:r>
+                        <a:rPr lang="en-US" altLang="ko-KR" sz="1400" b="1" dirty="0"/>
+                        <a:t>]</a:t>
+                      </a:r>
+                      <a:endParaRPr lang="ko-KR" altLang="en-US" sz="1400" b="1" dirty="0"/>
+                    </a:p>
+                    <a:p>
+                      <a:r>
+                        <a:rPr lang="en-US" altLang="ko-KR" sz="1400" b="1" dirty="0"/>
+                        <a:t>1) </a:t>
+                      </a:r>
+                      <a:r>
+                        <a:rPr lang="ko-KR" altLang="en-US" sz="1400" b="1" dirty="0" err="1"/>
+                        <a:t>딥페이크</a:t>
+                      </a:r>
+                      <a:r>
+                        <a:rPr lang="ko-KR" altLang="en-US" sz="1400" b="1" dirty="0"/>
+                        <a:t> 탐지 </a:t>
+                      </a:r>
+                      <a:r>
+                        <a:rPr lang="en-US" altLang="ko-KR" sz="1400" b="1" dirty="0"/>
+                        <a:t>AI </a:t>
+                      </a:r>
+                      <a:r>
+                        <a:rPr lang="ko-KR" altLang="en-US" sz="1400" b="1" dirty="0"/>
+                        <a:t>모델</a:t>
+                      </a:r>
+                    </a:p>
+                    <a:p>
+                      <a:r>
+                        <a:rPr lang="en-US" altLang="ko-KR" sz="1400" dirty="0"/>
+                        <a:t>- </a:t>
+                      </a:r>
+                      <a:r>
+                        <a:rPr lang="ko-KR" altLang="en-US" sz="1400" dirty="0"/>
+                        <a:t>영상</a:t>
+                      </a:r>
+                      <a:r>
+                        <a:rPr lang="en-US" altLang="ko-KR" sz="1400" dirty="0"/>
+                        <a:t>, </a:t>
+                      </a:r>
+                      <a:r>
+                        <a:rPr lang="ko-KR" altLang="en-US" sz="1400" dirty="0"/>
+                        <a:t>이미지</a:t>
+                      </a:r>
+                      <a:r>
+                        <a:rPr lang="en-US" altLang="ko-KR" sz="1400" dirty="0"/>
+                        <a:t>, </a:t>
+                      </a:r>
+                      <a:r>
+                        <a:rPr lang="ko-KR" altLang="en-US" sz="1400" dirty="0"/>
+                        <a:t>음성을 분석하여 </a:t>
+                      </a:r>
+                      <a:r>
+                        <a:rPr lang="ko-KR" altLang="en-US" sz="1400" dirty="0" err="1"/>
+                        <a:t>딥페이크</a:t>
+                      </a:r>
+                      <a:r>
+                        <a:rPr lang="ko-KR" altLang="en-US" sz="1400" dirty="0"/>
+                        <a:t> 여부를 정확히 판별</a:t>
+                      </a:r>
+                      <a:r>
+                        <a:rPr lang="en-US" altLang="ko-KR" sz="1400" dirty="0"/>
+                        <a:t>.</a:t>
+                      </a:r>
+                    </a:p>
+                    <a:p>
+                      <a:r>
+                        <a:rPr lang="en-US" altLang="ko-KR" sz="1400" dirty="0"/>
+                        <a:t>- </a:t>
+                      </a:r>
+                      <a:r>
+                        <a:rPr lang="ko-KR" altLang="en-US" sz="1400" dirty="0"/>
+                        <a:t>탐지 정확도 </a:t>
+                      </a:r>
+                      <a:r>
+                        <a:rPr lang="en-US" altLang="ko-KR" sz="1400" dirty="0"/>
+                        <a:t>98% </a:t>
+                      </a:r>
+                      <a:r>
+                        <a:rPr lang="ko-KR" altLang="en-US" sz="1400" dirty="0"/>
+                        <a:t>이상의 고도화된 딥러닝 모델을 사용</a:t>
+                      </a:r>
+                      <a:r>
+                        <a:rPr lang="en-US" altLang="ko-KR" sz="1400" dirty="0"/>
+                        <a:t>.</a:t>
+                      </a:r>
+                    </a:p>
+                    <a:p>
+                      <a:r>
+                        <a:rPr lang="en-US" altLang="ko-KR" sz="1400" b="1" dirty="0"/>
+                        <a:t>2) </a:t>
+                      </a:r>
+                      <a:r>
+                        <a:rPr lang="ko-KR" altLang="en-US" sz="1400" b="1" dirty="0"/>
+                        <a:t>법적 증거 관리 시스템</a:t>
+                      </a:r>
+                    </a:p>
+                    <a:p>
+                      <a:r>
+                        <a:rPr lang="en-US" altLang="ko-KR" sz="1400" dirty="0"/>
+                        <a:t>- AI </a:t>
+                      </a:r>
+                      <a:r>
+                        <a:rPr lang="ko-KR" altLang="en-US" sz="1400" dirty="0"/>
+                        <a:t>기반 데이터 분석으로 피해 증거를 자동 분류 및 관리</a:t>
+                      </a:r>
+                      <a:r>
+                        <a:rPr lang="en-US" altLang="ko-KR" sz="1400" dirty="0"/>
+                        <a:t>.</a:t>
+                      </a:r>
+                    </a:p>
+                    <a:p>
+                      <a:r>
+                        <a:rPr lang="en-US" altLang="ko-KR" sz="1400" dirty="0"/>
+                        <a:t>- </a:t>
+                      </a:r>
+                      <a:r>
+                        <a:rPr lang="ko-KR" altLang="en-US" sz="1400" dirty="0"/>
+                        <a:t>법적 증거 활용을 위해 필요한 메타데이터를 자동 생성 및 저장</a:t>
+                      </a:r>
+                      <a:r>
+                        <a:rPr lang="en-US" altLang="ko-KR" sz="1400" dirty="0"/>
+                        <a:t>.</a:t>
+                      </a:r>
+                    </a:p>
+                    <a:p>
+                      <a:r>
+                        <a:rPr lang="en-US" altLang="ko-KR" sz="1400" b="1" dirty="0"/>
+                        <a:t>3) </a:t>
+                      </a:r>
+                      <a:r>
+                        <a:rPr lang="ko-KR" altLang="en-US" sz="1400" b="1" dirty="0"/>
+                        <a:t>심리 상담 데이터 매칭</a:t>
+                      </a:r>
+                    </a:p>
+                    <a:p>
+                      <a:r>
+                        <a:rPr lang="en-US" altLang="ko-KR" sz="1400" dirty="0"/>
+                        <a:t>- </a:t>
+                      </a:r>
+                      <a:r>
+                        <a:rPr lang="ko-KR" altLang="en-US" sz="1400" dirty="0"/>
+                        <a:t>피해 유형에 따라 맞춤형 상담 서비스를 자동 추천</a:t>
+                      </a:r>
+                      <a:r>
+                        <a:rPr lang="en-US" altLang="ko-KR" sz="1400" dirty="0"/>
+                        <a:t>.</a:t>
+                      </a:r>
+                    </a:p>
+                    <a:p>
+                      <a:r>
+                        <a:rPr lang="en-US" altLang="ko-KR" sz="1400" dirty="0"/>
+                        <a:t>- AI </a:t>
+                      </a:r>
+                      <a:r>
+                        <a:rPr lang="ko-KR" altLang="en-US" sz="1400" dirty="0" err="1"/>
+                        <a:t>챗봇을</a:t>
+                      </a:r>
+                      <a:r>
+                        <a:rPr lang="ko-KR" altLang="en-US" sz="1400" dirty="0"/>
+                        <a:t> 통한 </a:t>
+                      </a:r>
+                      <a:r>
+                        <a:rPr lang="en-US" altLang="ko-KR" sz="1400" dirty="0"/>
+                        <a:t>1</a:t>
+                      </a:r>
+                      <a:r>
+                        <a:rPr lang="ko-KR" altLang="en-US" sz="1400" dirty="0"/>
+                        <a:t>차 심리 지원 및 실시간 상담사 연결 기능</a:t>
+                      </a:r>
+                      <a:r>
+                        <a:rPr lang="en-US" altLang="ko-KR" sz="1400" dirty="0"/>
+                        <a:t>.</a:t>
+                      </a:r>
                     </a:p>
                   </a:txBody>
                   <a:tcPr marL="91450" marR="91450" marT="45725" marB="45725" anchor="ctr">
@@ -5718,7 +5785,159 @@
                   </a:ext>
                 </a:extLst>
               </a:tr>
-              <a:tr h="353148">
+            </a:tbl>
+          </a:graphicData>
+        </a:graphic>
+      </p:graphicFrame>
+    </p:spTree>
+    <p:extLst>
+      <p:ext uri="{BB962C8B-B14F-4D97-AF65-F5344CB8AC3E}">
+        <p14:creationId xmlns:p14="http://schemas.microsoft.com/office/powerpoint/2010/main" val="3624926231"/>
+      </p:ext>
+    </p:extLst>
+  </p:cSld>
+  <p:clrMapOvr>
+    <a:masterClrMapping/>
+  </p:clrMapOvr>
+</p:sld>
+</file>
+
+<file path=ppt/slides/slide2.xml><?xml version="1.0" encoding="utf-8"?>
+<p:sld xmlns:a="http://schemas.openxmlformats.org/drawingml/2006/main" xmlns:r="http://schemas.openxmlformats.org/officeDocument/2006/relationships" xmlns:p="http://schemas.openxmlformats.org/presentationml/2006/main">
+  <p:cSld>
+    <p:spTree>
+      <p:nvGrpSpPr>
+        <p:cNvPr id="1" name="Shape 56"/>
+        <p:cNvGrpSpPr/>
+        <p:nvPr/>
+      </p:nvGrpSpPr>
+      <p:grpSpPr>
+        <a:xfrm>
+          <a:off x="0" y="0"/>
+          <a:ext cx="0" cy="0"/>
+          <a:chOff x="0" y="0"/>
+          <a:chExt cx="0" cy="0"/>
+        </a:xfrm>
+      </p:grpSpPr>
+      <p:sp>
+        <p:nvSpPr>
+          <p:cNvPr id="57" name="Google Shape;57;p11"/>
+          <p:cNvSpPr txBox="1">
+            <a:spLocks noGrp="1"/>
+          </p:cNvSpPr>
+          <p:nvPr>
+            <p:ph type="title"/>
+          </p:nvPr>
+        </p:nvSpPr>
+        <p:spPr>
+          <a:xfrm>
+            <a:off x="344678" y="301886"/>
+            <a:ext cx="7211154" cy="628844"/>
+          </a:xfrm>
+          <a:prstGeom prst="rect">
+            <a:avLst/>
+          </a:prstGeom>
+          <a:noFill/>
+          <a:ln>
+            <a:noFill/>
+          </a:ln>
+        </p:spPr>
+        <p:txBody>
+          <a:bodyPr spcFirstLastPara="1" vert="horz" wrap="square" lIns="112523" tIns="56246" rIns="112523" bIns="56246" rtlCol="0" anchor="t" anchorCtr="0">
+            <a:noAutofit/>
+          </a:bodyPr>
+          <a:lstStyle/>
+          <a:p>
+            <a:pPr>
+              <a:lnSpc>
+                <a:spcPct val="100000"/>
+              </a:lnSpc>
+            </a:pPr>
+            <a:r>
+              <a:rPr lang="ko-KR" altLang="en-US" sz="3600" spc="-100" dirty="0">
+                <a:ln w="3175">
+                  <a:solidFill>
+                    <a:schemeClr val="tx1">
+                      <a:alpha val="30000"/>
+                    </a:schemeClr>
+                  </a:solidFill>
+                </a:ln>
+                <a:solidFill>
+                  <a:srgbClr val="000000"/>
+                </a:solidFill>
+                <a:latin typeface="맑은 고딕" panose="020B0503020000020004" pitchFamily="50" charset="-127"/>
+                <a:ea typeface="맑은 고딕" panose="020B0503020000020004" pitchFamily="50" charset="-127"/>
+                <a:cs typeface="Arial"/>
+                <a:sym typeface="Arial"/>
+              </a:rPr>
+              <a:t>개인별 과제 정의서</a:t>
+            </a:r>
+            <a:endParaRPr sz="2800" spc="-100" dirty="0">
+              <a:ln w="3175">
+                <a:solidFill>
+                  <a:schemeClr val="tx1">
+                    <a:alpha val="30000"/>
+                  </a:schemeClr>
+                </a:solidFill>
+              </a:ln>
+              <a:solidFill>
+                <a:srgbClr val="000000"/>
+              </a:solidFill>
+              <a:latin typeface="맑은 고딕" panose="020B0503020000020004" pitchFamily="50" charset="-127"/>
+              <a:ea typeface="맑은 고딕" panose="020B0503020000020004" pitchFamily="50" charset="-127"/>
+              <a:cs typeface="Arial"/>
+              <a:sym typeface="Arial"/>
+            </a:endParaRPr>
+          </a:p>
+        </p:txBody>
+      </p:sp>
+      <p:graphicFrame>
+        <p:nvGraphicFramePr>
+          <p:cNvPr id="4" name="표 3">
+            <a:extLst>
+              <a:ext uri="{FF2B5EF4-FFF2-40B4-BE49-F238E27FC236}">
+                <a16:creationId xmlns:a16="http://schemas.microsoft.com/office/drawing/2014/main" id="{CBB66B73-6754-4987-9315-EDD187725B2B}"/>
+              </a:ext>
+            </a:extLst>
+          </p:cNvPr>
+          <p:cNvGraphicFramePr>
+            <a:graphicFrameLocks noGrp="1"/>
+          </p:cNvGraphicFramePr>
+          <p:nvPr>
+            <p:extLst>
+              <p:ext uri="{D42A27DB-BD31-4B8C-83A1-F6EECF244321}">
+                <p14:modId xmlns:p14="http://schemas.microsoft.com/office/powerpoint/2010/main" val="2054257238"/>
+              </p:ext>
+            </p:extLst>
+          </p:nvPr>
+        </p:nvGraphicFramePr>
+        <p:xfrm>
+          <a:off x="581025" y="1181100"/>
+          <a:ext cx="10838100" cy="5373314"/>
+        </p:xfrm>
+        <a:graphic>
+          <a:graphicData uri="http://schemas.openxmlformats.org/drawingml/2006/table">
+            <a:tbl>
+              <a:tblPr firstRow="1" bandRow="1">
+                <a:noFill/>
+              </a:tblPr>
+              <a:tblGrid>
+                <a:gridCol w="2350739">
+                  <a:extLst>
+                    <a:ext uri="{9D8B030D-6E8A-4147-A177-3AD203B41FA5}">
+                      <a16:colId xmlns:a16="http://schemas.microsoft.com/office/drawing/2014/main" val="2950248374"/>
+                    </a:ext>
+                  </a:extLst>
+                </a:gridCol>
+                <a:gridCol w="8487361">
+                  <a:extLst>
+                    <a:ext uri="{9D8B030D-6E8A-4147-A177-3AD203B41FA5}">
+                      <a16:colId xmlns:a16="http://schemas.microsoft.com/office/drawing/2014/main" val="1685298123"/>
+                    </a:ext>
+                  </a:extLst>
+                </a:gridCol>
+              </a:tblGrid>
+              <a:tr h="459017">
                 <a:tc>
                   <a:txBody>
                     <a:bodyPr/>
@@ -5821,127 +6040,6 @@
                     </a:lnB>
                   </a:tcPr>
                 </a:tc>
-                <a:tc gridSpan="3">
-                  <a:txBody>
-                    <a:bodyPr/>
-                    <a:lstStyle/>
-                    <a:p>
-                      <a:pPr marL="0" marR="0" lvl="0" indent="0" algn="ctr" defTabSz="914400" rtl="0" eaLnBrk="1" fontAlgn="auto" latinLnBrk="0" hangingPunct="1">
-                        <a:lnSpc>
-                          <a:spcPct val="100000"/>
-                        </a:lnSpc>
-                        <a:spcBef>
-                          <a:spcPts val="0"/>
-                        </a:spcBef>
-                        <a:spcAft>
-                          <a:spcPts val="0"/>
-                        </a:spcAft>
-                        <a:buClr>
-                          <a:srgbClr val="000000"/>
-                        </a:buClr>
-                        <a:buSzTx/>
-                        <a:buFont typeface="Arial"/>
-                        <a:buNone/>
-                        <a:tabLst/>
-                        <a:defRPr/>
-                      </a:pPr>
-                      <a:r>
-                        <a:rPr lang="en-US" altLang="ko-KR" sz="1400" b="1" dirty="0">
-                          <a:solidFill>
-                            <a:schemeClr val="bg1">
-                              <a:lumMod val="75000"/>
-                            </a:schemeClr>
-                          </a:solidFill>
-                          <a:latin typeface="나눔스퀘어 Bold" panose="020B0600000101010101" pitchFamily="50" charset="-127"/>
-                          <a:ea typeface="나눔스퀘어 Bold" panose="020B0600000101010101" pitchFamily="50" charset="-127"/>
-                        </a:rPr>
-                        <a:t>B2C</a:t>
-                      </a:r>
-                      <a:r>
-                        <a:rPr lang="ko-KR" altLang="en-US" sz="1400" b="1" dirty="0">
-                          <a:solidFill>
-                            <a:schemeClr val="bg1">
-                              <a:lumMod val="75000"/>
-                            </a:schemeClr>
-                          </a:solidFill>
-                          <a:latin typeface="나눔스퀘어 Bold" panose="020B0600000101010101" pitchFamily="50" charset="-127"/>
-                          <a:ea typeface="나눔스퀘어 Bold" panose="020B0600000101010101" pitchFamily="50" charset="-127"/>
-                        </a:rPr>
-                        <a:t> 로 잡지 않도록 명심할 것</a:t>
-                      </a:r>
-                    </a:p>
-                  </a:txBody>
-                  <a:tcPr marL="91450" marR="91450" marT="45725" marB="45725" anchor="ctr">
-                    <a:lnL w="12700" cap="flat" cmpd="sng" algn="ctr">
-                      <a:solidFill>
-                        <a:schemeClr val="tx1"/>
-                      </a:solidFill>
-                      <a:prstDash val="solid"/>
-                      <a:round/>
-                      <a:headEnd type="none" w="med" len="med"/>
-                      <a:tailEnd type="none" w="med" len="med"/>
-                    </a:lnL>
-                    <a:lnR w="12700" cap="flat" cmpd="sng" algn="ctr">
-                      <a:solidFill>
-                        <a:schemeClr val="tx1"/>
-                      </a:solidFill>
-                      <a:prstDash val="solid"/>
-                      <a:round/>
-                      <a:headEnd type="none" w="med" len="med"/>
-                      <a:tailEnd type="none" w="med" len="med"/>
-                    </a:lnR>
-                    <a:lnT w="12700" cap="flat" cmpd="sng" algn="ctr">
-                      <a:solidFill>
-                        <a:schemeClr val="tx1"/>
-                      </a:solidFill>
-                      <a:prstDash val="solid"/>
-                      <a:round/>
-                      <a:headEnd type="none" w="med" len="med"/>
-                      <a:tailEnd type="none" w="med" len="med"/>
-                    </a:lnT>
-                    <a:lnB w="12700" cap="flat" cmpd="sng" algn="ctr">
-                      <a:solidFill>
-                        <a:schemeClr val="tx1"/>
-                      </a:solidFill>
-                      <a:prstDash val="solid"/>
-                      <a:round/>
-                      <a:headEnd type="none" w="med" len="med"/>
-                      <a:tailEnd type="none" w="med" len="med"/>
-                    </a:lnB>
-                    <a:solidFill>
-                      <a:schemeClr val="bg1"/>
-                    </a:solidFill>
-                  </a:tcPr>
-                </a:tc>
-                <a:tc hMerge="1">
-                  <a:txBody>
-                    <a:bodyPr/>
-                    <a:lstStyle/>
-                    <a:p>
-                      <a:pPr latinLnBrk="1"/>
-                      <a:endParaRPr lang="ko-KR" altLang="en-US"/>
-                    </a:p>
-                  </a:txBody>
-                  <a:tcPr/>
-                </a:tc>
-                <a:tc hMerge="1">
-                  <a:txBody>
-                    <a:bodyPr/>
-                    <a:lstStyle/>
-                    <a:p>
-                      <a:pPr latinLnBrk="1"/>
-                      <a:endParaRPr lang="ko-KR" altLang="en-US"/>
-                    </a:p>
-                  </a:txBody>
-                  <a:tcPr/>
-                </a:tc>
-                <a:extLst>
-                  <a:ext uri="{0D108BD9-81ED-4DB2-BD59-A6C34878D82A}">
-                    <a16:rowId xmlns:a16="http://schemas.microsoft.com/office/drawing/2014/main" val="10003"/>
-                  </a:ext>
-                </a:extLst>
-              </a:tr>
-              <a:tr h="750439">
                 <a:tc>
                   <a:txBody>
                     <a:bodyPr/>
@@ -5967,75 +6065,118 @@
                         <a:defRPr/>
                       </a:pPr>
                       <a:r>
-                        <a:rPr lang="ko-KR" altLang="en-US" sz="1600" b="1" u="none" strike="noStrike" cap="none" dirty="0">
+                        <a:rPr lang="en-US" altLang="ko-KR" sz="1400" b="1" dirty="0">
                           <a:solidFill>
                             <a:schemeClr val="tx1"/>
                           </a:solidFill>
                           <a:latin typeface="나눔스퀘어 Bold" panose="020B0600000101010101" pitchFamily="50" charset="-127"/>
                           <a:ea typeface="나눔스퀘어 Bold" panose="020B0600000101010101" pitchFamily="50" charset="-127"/>
                         </a:rPr>
-                        <a:t>과제 선정 배경</a:t>
-                      </a:r>
-                    </a:p>
-                  </a:txBody>
-                  <a:tcPr marL="91450" marR="91450" marT="45725" marB="45725" anchor="ctr">
-                    <a:lnL w="12700" cap="flat" cmpd="sng" algn="ctr">
-                      <a:solidFill>
-                        <a:schemeClr val="tx1"/>
-                      </a:solidFill>
-                      <a:prstDash val="solid"/>
-                      <a:round/>
-                      <a:headEnd type="none" w="med" len="med"/>
-                      <a:tailEnd type="none" w="med" len="med"/>
-                    </a:lnL>
-                    <a:lnR w="12700" cap="flat" cmpd="sng" algn="ctr">
-                      <a:solidFill>
-                        <a:schemeClr val="tx1"/>
-                      </a:solidFill>
-                      <a:prstDash val="solid"/>
-                      <a:round/>
-                      <a:headEnd type="none" w="med" len="med"/>
-                      <a:tailEnd type="none" w="med" len="med"/>
-                    </a:lnR>
-                    <a:lnT w="12700" cap="flat" cmpd="sng" algn="ctr">
-                      <a:solidFill>
-                        <a:schemeClr val="tx1"/>
-                      </a:solidFill>
-                      <a:prstDash val="solid"/>
-                      <a:round/>
-                      <a:headEnd type="none" w="med" len="med"/>
-                      <a:tailEnd type="none" w="med" len="med"/>
-                    </a:lnT>
-                    <a:lnB w="12700" cap="flat" cmpd="sng" algn="ctr">
-                      <a:solidFill>
-                        <a:schemeClr val="tx1"/>
-                      </a:solidFill>
-                      <a:prstDash val="solid"/>
-                      <a:round/>
-                      <a:headEnd type="none" w="med" len="med"/>
-                      <a:tailEnd type="none" w="med" len="med"/>
-                    </a:lnB>
-                  </a:tcPr>
-                </a:tc>
-                <a:tc gridSpan="3">
-                  <a:txBody>
-                    <a:bodyPr/>
-                    <a:lstStyle/>
-                    <a:p>
-                      <a:pPr marL="0" marR="0" lvl="0" indent="0" algn="ctr" rtl="0">
-                        <a:spcBef>
-                          <a:spcPts val="0"/>
-                        </a:spcBef>
-                        <a:spcAft>
-                          <a:spcPts val="0"/>
-                        </a:spcAft>
-                        <a:buNone/>
-                      </a:pPr>
-                      <a:endParaRPr sz="1400" b="1" dirty="0">
+                        <a:t>B2G: </a:t>
+                      </a:r>
+                      <a:r>
+                        <a:rPr lang="ko-KR" altLang="en-US" sz="1400" b="1" dirty="0" err="1">
+                          <a:solidFill>
+                            <a:schemeClr val="tx1"/>
+                          </a:solidFill>
+                          <a:latin typeface="나눔스퀘어 Bold" panose="020B0600000101010101" pitchFamily="50" charset="-127"/>
+                          <a:ea typeface="나눔스퀘어 Bold" panose="020B0600000101010101" pitchFamily="50" charset="-127"/>
+                        </a:rPr>
+                        <a:t>딥브레인</a:t>
+                      </a:r>
+                      <a:r>
+                        <a:rPr lang="ko-KR" altLang="en-US" sz="1400" b="1" dirty="0">
+                          <a:solidFill>
+                            <a:schemeClr val="tx1"/>
+                          </a:solidFill>
+                          <a:latin typeface="나눔스퀘어 Bold" panose="020B0600000101010101" pitchFamily="50" charset="-127"/>
+                          <a:ea typeface="나눔스퀘어 Bold" panose="020B0600000101010101" pitchFamily="50" charset="-127"/>
+                        </a:rPr>
+                        <a:t> </a:t>
+                      </a:r>
+                      <a:r>
+                        <a:rPr lang="en-US" altLang="ko-KR" sz="1400" b="1" dirty="0">
+                          <a:solidFill>
+                            <a:schemeClr val="tx1"/>
+                          </a:solidFill>
+                          <a:latin typeface="나눔스퀘어 Bold" panose="020B0600000101010101" pitchFamily="50" charset="-127"/>
+                          <a:ea typeface="나눔스퀘어 Bold" panose="020B0600000101010101" pitchFamily="50" charset="-127"/>
+                        </a:rPr>
+                        <a:t>AI(</a:t>
+                      </a:r>
+                      <a:r>
+                        <a:rPr lang="ko-KR" altLang="en-US" sz="1400" b="1" dirty="0">
+                          <a:solidFill>
+                            <a:schemeClr val="tx1"/>
+                          </a:solidFill>
+                          <a:latin typeface="나눔스퀘어 Bold" panose="020B0600000101010101" pitchFamily="50" charset="-127"/>
+                          <a:ea typeface="나눔스퀘어 Bold" panose="020B0600000101010101" pitchFamily="50" charset="-127"/>
+                        </a:rPr>
+                        <a:t>기업</a:t>
+                      </a:r>
+                      <a:r>
+                        <a:rPr lang="en-US" altLang="ko-KR" sz="1400" b="1" dirty="0">
+                          <a:solidFill>
+                            <a:schemeClr val="tx1"/>
+                          </a:solidFill>
+                          <a:latin typeface="나눔스퀘어 Bold" panose="020B0600000101010101" pitchFamily="50" charset="-127"/>
+                          <a:ea typeface="나눔스퀘어 Bold" panose="020B0600000101010101" pitchFamily="50" charset="-127"/>
+                        </a:rPr>
+                        <a:t>) &lt;-&gt; </a:t>
+                      </a:r>
+                      <a:r>
+                        <a:rPr lang="ko-KR" altLang="en-US" sz="1400" b="1" dirty="0">
+                          <a:solidFill>
+                            <a:schemeClr val="tx1"/>
+                          </a:solidFill>
+                          <a:latin typeface="나눔스퀘어 Bold" panose="020B0600000101010101" pitchFamily="50" charset="-127"/>
+                          <a:ea typeface="나눔스퀘어 Bold" panose="020B0600000101010101" pitchFamily="50" charset="-127"/>
+                        </a:rPr>
+                        <a:t>여성가족부 </a:t>
+                      </a:r>
+                      <a:r>
+                        <a:rPr lang="ko-KR" altLang="en-US" sz="1400" b="1" dirty="0" err="1">
+                          <a:solidFill>
+                            <a:schemeClr val="tx1"/>
+                          </a:solidFill>
+                          <a:latin typeface="나눔스퀘어 Bold" panose="020B0600000101010101" pitchFamily="50" charset="-127"/>
+                          <a:ea typeface="나눔스퀘어 Bold" panose="020B0600000101010101" pitchFamily="50" charset="-127"/>
+                        </a:rPr>
+                        <a:t>디지털성범죄방지과</a:t>
+                      </a:r>
+                      <a:r>
+                        <a:rPr lang="en-US" altLang="ko-KR" sz="1400" b="1" dirty="0">
+                          <a:solidFill>
+                            <a:schemeClr val="tx1"/>
+                          </a:solidFill>
+                          <a:latin typeface="나눔스퀘어 Bold" panose="020B0600000101010101" pitchFamily="50" charset="-127"/>
+                          <a:ea typeface="나눔스퀘어 Bold" panose="020B0600000101010101" pitchFamily="50" charset="-127"/>
+                        </a:rPr>
+                        <a:t>(</a:t>
+                      </a:r>
+                      <a:r>
+                        <a:rPr lang="ko-KR" altLang="en-US" sz="1400" b="1" dirty="0">
+                          <a:solidFill>
+                            <a:schemeClr val="tx1"/>
+                          </a:solidFill>
+                          <a:latin typeface="나눔스퀘어 Bold" panose="020B0600000101010101" pitchFamily="50" charset="-127"/>
+                          <a:ea typeface="나눔스퀘어 Bold" panose="020B0600000101010101" pitchFamily="50" charset="-127"/>
+                        </a:rPr>
+                        <a:t>정부</a:t>
+                      </a:r>
+                      <a:r>
+                        <a:rPr lang="en-US" altLang="ko-KR" sz="1400" b="1" dirty="0">
+                          <a:solidFill>
+                            <a:schemeClr val="tx1"/>
+                          </a:solidFill>
+                          <a:latin typeface="나눔스퀘어 Bold" panose="020B0600000101010101" pitchFamily="50" charset="-127"/>
+                          <a:ea typeface="나눔스퀘어 Bold" panose="020B0600000101010101" pitchFamily="50" charset="-127"/>
+                        </a:rPr>
+                        <a:t>)</a:t>
+                      </a:r>
+                      <a:endParaRPr lang="ko-KR" altLang="en-US" sz="1400" b="1" dirty="0">
                         <a:solidFill>
-                          <a:schemeClr val="bg1">
-                            <a:lumMod val="75000"/>
-                          </a:schemeClr>
+                          <a:schemeClr val="tx1"/>
                         </a:solidFill>
                         <a:latin typeface="나눔스퀘어 Bold" panose="020B0600000101010101" pitchFamily="50" charset="-127"/>
                         <a:ea typeface="나눔스퀘어 Bold" panose="020B0600000101010101" pitchFamily="50" charset="-127"/>
@@ -6084,35 +6225,13 @@
                     </a:solidFill>
                   </a:tcPr>
                 </a:tc>
-                <a:tc hMerge="1">
-                  <a:txBody>
-                    <a:bodyPr/>
-                    <a:lstStyle/>
-                    <a:p>
-                      <a:pPr latinLnBrk="1"/>
-                      <a:endParaRPr lang="ko-KR" altLang="en-US"/>
-                    </a:p>
-                  </a:txBody>
-                  <a:tcPr/>
-                </a:tc>
-                <a:tc hMerge="1">
-                  <a:txBody>
-                    <a:bodyPr/>
-                    <a:lstStyle/>
-                    <a:p>
-                      <a:pPr latinLnBrk="1"/>
-                      <a:endParaRPr lang="ko-KR" altLang="en-US"/>
-                    </a:p>
-                  </a:txBody>
-                  <a:tcPr/>
-                </a:tc>
                 <a:extLst>
                   <a:ext uri="{0D108BD9-81ED-4DB2-BD59-A6C34878D82A}">
-                    <a16:rowId xmlns:a16="http://schemas.microsoft.com/office/drawing/2014/main" val="10006"/>
+                    <a16:rowId xmlns:a16="http://schemas.microsoft.com/office/drawing/2014/main" val="1117924259"/>
                   </a:ext>
                 </a:extLst>
               </a:tr>
-              <a:tr h="554946">
+              <a:tr h="663714">
                 <a:tc>
                   <a:txBody>
                     <a:bodyPr/>
@@ -6145,7 +6264,7 @@
                           <a:latin typeface="나눔스퀘어 Bold" panose="020B0600000101010101" pitchFamily="50" charset="-127"/>
                           <a:ea typeface="나눔스퀘어 Bold" panose="020B0600000101010101" pitchFamily="50" charset="-127"/>
                         </a:rPr>
-                        <a:t>활용 데이터</a:t>
+                        <a:t>과제 선정 배경</a:t>
                       </a:r>
                     </a:p>
                   </a:txBody>
@@ -6188,37 +6307,72 @@
                     </a:lnB>
                   </a:tcPr>
                 </a:tc>
-                <a:tc gridSpan="3">
+                <a:tc>
                   <a:txBody>
                     <a:bodyPr/>
                     <a:lstStyle/>
                     <a:p>
-                      <a:pPr marL="0" lvl="0" indent="0" algn="ctr" rtl="0">
-                        <a:lnSpc>
-                          <a:spcPct val="115000"/>
-                        </a:lnSpc>
+                      <a:pPr marL="0" marR="0" lvl="0" indent="0" algn="ctr" rtl="0">
                         <a:spcBef>
-                          <a:spcPts val="2400"/>
+                          <a:spcPts val="0"/>
                         </a:spcBef>
                         <a:spcAft>
                           <a:spcPts val="0"/>
                         </a:spcAft>
-                        <a:buSzPts val="1100"/>
                         <a:buNone/>
                       </a:pPr>
+                      <a:r>
+                        <a:rPr lang="ko-KR" altLang="en-US" sz="1400" dirty="0"/>
+                        <a:t>디지털 성범죄의 급증과 </a:t>
+                      </a:r>
+                      <a:r>
+                        <a:rPr lang="ko-KR" altLang="en-US" sz="1400" dirty="0" err="1"/>
+                        <a:t>딥페이크</a:t>
+                      </a:r>
+                      <a:r>
+                        <a:rPr lang="ko-KR" altLang="en-US" sz="1400" dirty="0"/>
+                        <a:t> 콘텐츠 확산</a:t>
+                      </a:r>
+                      <a:r>
+                        <a:rPr lang="en-US" altLang="ko-KR" sz="1400" dirty="0"/>
+                        <a:t>, </a:t>
+                      </a:r>
+                      <a:r>
+                        <a:rPr lang="ko-KR" altLang="en-US" sz="1400" dirty="0"/>
+                        <a:t>기존 대응 체계는 수작업 중심으로 비효율적인데 </a:t>
+                      </a:r>
+                      <a:r>
+                        <a:rPr lang="ko-KR" altLang="en-US" sz="1400" b="1" dirty="0"/>
+                        <a:t>디지털 성범죄 전담 수사 인력이 부족한 상황</a:t>
+                      </a:r>
+                      <a:r>
+                        <a:rPr lang="en-US" altLang="ko-KR" sz="1400" dirty="0"/>
+                        <a:t>, </a:t>
+                      </a:r>
+                      <a:r>
+                        <a:rPr lang="ko-KR" altLang="en-US" sz="1400" b="1" dirty="0"/>
+                        <a:t>인력난을 해결하기 위해 </a:t>
+                      </a:r>
+                      <a:r>
+                        <a:rPr lang="en-US" altLang="ko-KR" sz="1400" b="1" dirty="0"/>
+                        <a:t>AI </a:t>
+                      </a:r>
+                      <a:r>
+                        <a:rPr lang="ko-KR" altLang="en-US" sz="1400" b="1" dirty="0"/>
+                        <a:t>어시스턴트 과제를 선정</a:t>
+                      </a:r>
+                      <a:r>
+                        <a:rPr lang="en-US" altLang="ko-KR" sz="1400" b="1" dirty="0"/>
+                        <a:t> </a:t>
+                      </a:r>
                       <a:endParaRPr sz="1400" b="1" dirty="0">
                         <a:solidFill>
                           <a:schemeClr val="bg1">
                             <a:lumMod val="75000"/>
                           </a:schemeClr>
                         </a:solidFill>
-                        <a:highlight>
-                          <a:srgbClr val="FFFFFF"/>
-                        </a:highlight>
                         <a:latin typeface="나눔스퀘어 Bold" panose="020B0600000101010101" pitchFamily="50" charset="-127"/>
                         <a:ea typeface="나눔스퀘어 Bold" panose="020B0600000101010101" pitchFamily="50" charset="-127"/>
-                        <a:cs typeface="Arial"/>
-                        <a:sym typeface="Arial"/>
                       </a:endParaRPr>
                     </a:p>
                   </a:txBody>
@@ -6264,35 +6418,13 @@
                     </a:solidFill>
                   </a:tcPr>
                 </a:tc>
-                <a:tc hMerge="1">
-                  <a:txBody>
-                    <a:bodyPr/>
-                    <a:lstStyle/>
-                    <a:p>
-                      <a:pPr latinLnBrk="1"/>
-                      <a:endParaRPr lang="ko-KR" altLang="en-US"/>
-                    </a:p>
-                  </a:txBody>
-                  <a:tcPr/>
-                </a:tc>
-                <a:tc hMerge="1">
-                  <a:txBody>
-                    <a:bodyPr/>
-                    <a:lstStyle/>
-                    <a:p>
-                      <a:pPr latinLnBrk="1"/>
-                      <a:endParaRPr lang="ko-KR" altLang="en-US"/>
-                    </a:p>
-                  </a:txBody>
-                  <a:tcPr/>
-                </a:tc>
                 <a:extLst>
                   <a:ext uri="{0D108BD9-81ED-4DB2-BD59-A6C34878D82A}">
-                    <a16:rowId xmlns:a16="http://schemas.microsoft.com/office/drawing/2014/main" val="3438559410"/>
+                    <a16:rowId xmlns:a16="http://schemas.microsoft.com/office/drawing/2014/main" val="3761638921"/>
                   </a:ext>
                 </a:extLst>
               </a:tr>
-              <a:tr h="607629">
+              <a:tr h="2675038">
                 <a:tc>
                   <a:txBody>
                     <a:bodyPr/>
@@ -6325,7 +6457,7 @@
                           <a:latin typeface="나눔스퀘어 Bold" panose="020B0600000101010101" pitchFamily="50" charset="-127"/>
                           <a:ea typeface="나눔스퀘어 Bold" panose="020B0600000101010101" pitchFamily="50" charset="-127"/>
                         </a:rPr>
-                        <a:t>기대 효과</a:t>
+                        <a:t>활용 데이터</a:t>
                       </a:r>
                     </a:p>
                   </a:txBody>
@@ -6368,7 +6500,682 @@
                     </a:lnB>
                   </a:tcPr>
                 </a:tc>
-                <a:tc gridSpan="3">
+                <a:tc>
+                  <a:txBody>
+                    <a:bodyPr/>
+                    <a:lstStyle/>
+                    <a:p>
+                      <a:r>
+                        <a:rPr lang="en-US" altLang="ko-KR" sz="1200" b="1" dirty="0">
+                          <a:highlight>
+                            <a:srgbClr val="FFFFFF"/>
+                          </a:highlight>
+                        </a:rPr>
+                        <a:t>[</a:t>
+                      </a:r>
+                      <a:r>
+                        <a:rPr lang="ko-KR" altLang="en-US" sz="1200" b="1" dirty="0">
+                          <a:highlight>
+                            <a:srgbClr val="FFFFFF"/>
+                          </a:highlight>
+                        </a:rPr>
+                        <a:t>활용 데이터</a:t>
+                      </a:r>
+                      <a:r>
+                        <a:rPr lang="en-US" altLang="ko-KR" sz="1200" b="1" dirty="0">
+                          <a:highlight>
+                            <a:srgbClr val="FFFFFF"/>
+                          </a:highlight>
+                        </a:rPr>
+                        <a:t>]</a:t>
+                      </a:r>
+                      <a:endParaRPr lang="ko-KR" altLang="en-US" sz="1200" b="1" dirty="0">
+                        <a:highlight>
+                          <a:srgbClr val="FFFFFF"/>
+                        </a:highlight>
+                      </a:endParaRPr>
+                    </a:p>
+                    <a:p>
+                      <a:r>
+                        <a:rPr lang="en-US" altLang="ko-KR" sz="1200" b="1" dirty="0">
+                          <a:highlight>
+                            <a:srgbClr val="FFFFFF"/>
+                          </a:highlight>
+                        </a:rPr>
+                        <a:t>1.</a:t>
+                      </a:r>
+                      <a:r>
+                        <a:rPr lang="ko-KR" altLang="en-US" sz="1200" b="1" dirty="0">
+                          <a:highlight>
+                            <a:srgbClr val="FFFFFF"/>
+                          </a:highlight>
+                        </a:rPr>
+                        <a:t>디지털 콘텐츠 데이터</a:t>
+                      </a:r>
+                      <a:endParaRPr lang="ko-KR" altLang="en-US" sz="1200" dirty="0">
+                        <a:highlight>
+                          <a:srgbClr val="FFFFFF"/>
+                        </a:highlight>
+                      </a:endParaRPr>
+                    </a:p>
+                    <a:p>
+                      <a:pPr lvl="1"/>
+                      <a:r>
+                        <a:rPr lang="en-US" altLang="ko-KR" sz="1200" dirty="0">
+                          <a:highlight>
+                            <a:srgbClr val="FFFFFF"/>
+                          </a:highlight>
+                        </a:rPr>
+                        <a:t>- </a:t>
+                      </a:r>
+                      <a:r>
+                        <a:rPr lang="ko-KR" altLang="en-US" sz="1200" dirty="0">
+                          <a:highlight>
+                            <a:srgbClr val="FFFFFF"/>
+                          </a:highlight>
+                        </a:rPr>
+                        <a:t>이미지</a:t>
+                      </a:r>
+                      <a:r>
+                        <a:rPr lang="en-US" altLang="ko-KR" sz="1200" dirty="0">
+                          <a:highlight>
+                            <a:srgbClr val="FFFFFF"/>
+                          </a:highlight>
+                        </a:rPr>
+                        <a:t>, </a:t>
+                      </a:r>
+                      <a:r>
+                        <a:rPr lang="ko-KR" altLang="en-US" sz="1200" dirty="0">
+                          <a:highlight>
+                            <a:srgbClr val="FFFFFF"/>
+                          </a:highlight>
+                        </a:rPr>
+                        <a:t>영상</a:t>
+                      </a:r>
+                      <a:r>
+                        <a:rPr lang="en-US" altLang="ko-KR" sz="1200" dirty="0">
+                          <a:highlight>
+                            <a:srgbClr val="FFFFFF"/>
+                          </a:highlight>
+                        </a:rPr>
+                        <a:t>, </a:t>
+                      </a:r>
+                      <a:r>
+                        <a:rPr lang="ko-KR" altLang="en-US" sz="1200" dirty="0">
+                          <a:highlight>
+                            <a:srgbClr val="FFFFFF"/>
+                          </a:highlight>
+                        </a:rPr>
+                        <a:t>음성 데이터를 포함한 </a:t>
+                      </a:r>
+                      <a:r>
+                        <a:rPr lang="ko-KR" altLang="en-US" sz="1200" dirty="0" err="1">
+                          <a:highlight>
+                            <a:srgbClr val="FFFFFF"/>
+                          </a:highlight>
+                        </a:rPr>
+                        <a:t>딥페이크</a:t>
+                      </a:r>
+                      <a:r>
+                        <a:rPr lang="ko-KR" altLang="en-US" sz="1200" dirty="0">
+                          <a:highlight>
+                            <a:srgbClr val="FFFFFF"/>
+                          </a:highlight>
+                        </a:rPr>
+                        <a:t> 탐지 및 분석을 위한 학습 데이터셋</a:t>
+                      </a:r>
+                      <a:r>
+                        <a:rPr lang="en-US" altLang="ko-KR" sz="1200" dirty="0">
+                          <a:highlight>
+                            <a:srgbClr val="FFFFFF"/>
+                          </a:highlight>
+                        </a:rPr>
+                        <a:t>.</a:t>
+                      </a:r>
+                    </a:p>
+                    <a:p>
+                      <a:pPr lvl="1"/>
+                      <a:r>
+                        <a:rPr lang="en-US" altLang="ko-KR" sz="1200" dirty="0">
+                          <a:highlight>
+                            <a:srgbClr val="FFFFFF"/>
+                          </a:highlight>
+                        </a:rPr>
+                        <a:t>- SNS </a:t>
+                      </a:r>
+                      <a:r>
+                        <a:rPr lang="ko-KR" altLang="en-US" sz="1200" dirty="0">
+                          <a:highlight>
+                            <a:srgbClr val="FFFFFF"/>
+                          </a:highlight>
+                        </a:rPr>
+                        <a:t>및 스트리밍 플랫폼에서 유통되는 사용자 콘텐츠</a:t>
+                      </a:r>
+                      <a:r>
+                        <a:rPr lang="en-US" altLang="ko-KR" sz="1200" dirty="0">
+                          <a:highlight>
+                            <a:srgbClr val="FFFFFF"/>
+                          </a:highlight>
+                        </a:rPr>
+                        <a:t>.</a:t>
+                      </a:r>
+                    </a:p>
+                    <a:p>
+                      <a:r>
+                        <a:rPr lang="en-US" altLang="ko-KR" sz="1200" b="1" dirty="0">
+                          <a:highlight>
+                            <a:srgbClr val="FFFFFF"/>
+                          </a:highlight>
+                        </a:rPr>
+                        <a:t>2.</a:t>
+                      </a:r>
+                      <a:r>
+                        <a:rPr lang="ko-KR" altLang="en-US" sz="1200" b="1" dirty="0">
+                          <a:highlight>
+                            <a:srgbClr val="FFFFFF"/>
+                          </a:highlight>
+                        </a:rPr>
+                        <a:t>피해자 신고 데이터</a:t>
+                      </a:r>
+                      <a:endParaRPr lang="ko-KR" altLang="en-US" sz="1200" dirty="0">
+                        <a:highlight>
+                          <a:srgbClr val="FFFFFF"/>
+                        </a:highlight>
+                      </a:endParaRPr>
+                    </a:p>
+                    <a:p>
+                      <a:pPr lvl="1"/>
+                      <a:r>
+                        <a:rPr lang="en-US" altLang="ko-KR" sz="1200" dirty="0">
+                          <a:highlight>
+                            <a:srgbClr val="FFFFFF"/>
+                          </a:highlight>
+                        </a:rPr>
+                        <a:t>- </a:t>
+                      </a:r>
+                      <a:r>
+                        <a:rPr lang="ko-KR" altLang="en-US" sz="1200" dirty="0">
+                          <a:highlight>
+                            <a:srgbClr val="FFFFFF"/>
+                          </a:highlight>
+                        </a:rPr>
+                        <a:t>여성가족부 디지털성범죄 신고센터로 접수된 피해 사례 데이터</a:t>
+                      </a:r>
+                      <a:r>
+                        <a:rPr lang="en-US" altLang="ko-KR" sz="1200" dirty="0">
+                          <a:highlight>
+                            <a:srgbClr val="FFFFFF"/>
+                          </a:highlight>
+                        </a:rPr>
+                        <a:t>.</a:t>
+                      </a:r>
+                    </a:p>
+                    <a:p>
+                      <a:pPr lvl="1"/>
+                      <a:r>
+                        <a:rPr lang="en-US" altLang="ko-KR" sz="1200" dirty="0">
+                          <a:highlight>
+                            <a:srgbClr val="FFFFFF"/>
+                          </a:highlight>
+                        </a:rPr>
+                        <a:t>- </a:t>
+                      </a:r>
+                      <a:r>
+                        <a:rPr lang="ko-KR" altLang="en-US" sz="1200" dirty="0">
+                          <a:highlight>
+                            <a:srgbClr val="FFFFFF"/>
+                          </a:highlight>
+                        </a:rPr>
+                        <a:t>피해 유형</a:t>
+                      </a:r>
+                      <a:r>
+                        <a:rPr lang="en-US" altLang="ko-KR" sz="1200" dirty="0">
+                          <a:highlight>
+                            <a:srgbClr val="FFFFFF"/>
+                          </a:highlight>
+                        </a:rPr>
+                        <a:t>, </a:t>
+                      </a:r>
+                      <a:r>
+                        <a:rPr lang="ko-KR" altLang="en-US" sz="1200" dirty="0">
+                          <a:highlight>
+                            <a:srgbClr val="FFFFFF"/>
+                          </a:highlight>
+                        </a:rPr>
+                        <a:t>발생 경로</a:t>
+                      </a:r>
+                      <a:r>
+                        <a:rPr lang="en-US" altLang="ko-KR" sz="1200" dirty="0">
+                          <a:highlight>
+                            <a:srgbClr val="FFFFFF"/>
+                          </a:highlight>
+                        </a:rPr>
+                        <a:t>, </a:t>
+                      </a:r>
+                      <a:r>
+                        <a:rPr lang="ko-KR" altLang="en-US" sz="1200" dirty="0">
+                          <a:highlight>
+                            <a:srgbClr val="FFFFFF"/>
+                          </a:highlight>
+                        </a:rPr>
+                        <a:t>신고 빈도 등</a:t>
+                      </a:r>
+                      <a:endParaRPr lang="en-US" altLang="ko-KR" sz="1200" dirty="0">
+                        <a:highlight>
+                          <a:srgbClr val="FFFFFF"/>
+                        </a:highlight>
+                      </a:endParaRPr>
+                    </a:p>
+                    <a:p>
+                      <a:r>
+                        <a:rPr lang="en-US" altLang="ko-KR" sz="1200" b="1" dirty="0">
+                          <a:highlight>
+                            <a:srgbClr val="FFFFFF"/>
+                          </a:highlight>
+                        </a:rPr>
+                        <a:t>3. </a:t>
+                      </a:r>
+                      <a:r>
+                        <a:rPr lang="ko-KR" altLang="en-US" sz="1200" b="1" dirty="0">
+                          <a:highlight>
+                            <a:srgbClr val="FFFFFF"/>
+                          </a:highlight>
+                        </a:rPr>
+                        <a:t>법적 증거 데이터</a:t>
+                      </a:r>
+                      <a:endParaRPr lang="ko-KR" altLang="en-US" sz="1200" dirty="0">
+                        <a:highlight>
+                          <a:srgbClr val="FFFFFF"/>
+                        </a:highlight>
+                      </a:endParaRPr>
+                    </a:p>
+                    <a:p>
+                      <a:pPr lvl="1"/>
+                      <a:r>
+                        <a:rPr lang="en-US" altLang="ko-KR" sz="1200" dirty="0">
+                          <a:highlight>
+                            <a:srgbClr val="FFFFFF"/>
+                          </a:highlight>
+                        </a:rPr>
+                        <a:t>- </a:t>
+                      </a:r>
+                      <a:r>
+                        <a:rPr lang="ko-KR" altLang="en-US" sz="1200" dirty="0">
+                          <a:highlight>
+                            <a:srgbClr val="FFFFFF"/>
+                          </a:highlight>
+                        </a:rPr>
+                        <a:t>디지털 포렌식 자료</a:t>
+                      </a:r>
+                      <a:r>
+                        <a:rPr lang="en-US" altLang="ko-KR" sz="1200" dirty="0">
+                          <a:highlight>
+                            <a:srgbClr val="FFFFFF"/>
+                          </a:highlight>
+                        </a:rPr>
+                        <a:t>, </a:t>
+                      </a:r>
+                      <a:r>
+                        <a:rPr lang="ko-KR" altLang="en-US" sz="1200" dirty="0">
+                          <a:highlight>
+                            <a:srgbClr val="FFFFFF"/>
+                          </a:highlight>
+                        </a:rPr>
+                        <a:t>메타데이터 등 법적 증거로 활용 가능한 데이터</a:t>
+                      </a:r>
+                      <a:r>
+                        <a:rPr lang="en-US" altLang="ko-KR" sz="1200" dirty="0">
+                          <a:highlight>
+                            <a:srgbClr val="FFFFFF"/>
+                          </a:highlight>
+                        </a:rPr>
+                        <a:t>.</a:t>
+                      </a:r>
+                    </a:p>
+                    <a:p>
+                      <a:pPr lvl="1"/>
+                      <a:r>
+                        <a:rPr lang="en-US" altLang="ko-KR" sz="1200" dirty="0">
+                          <a:highlight>
+                            <a:srgbClr val="FFFFFF"/>
+                          </a:highlight>
+                        </a:rPr>
+                        <a:t>- </a:t>
+                      </a:r>
+                      <a:r>
+                        <a:rPr lang="ko-KR" altLang="en-US" sz="1200" dirty="0">
+                          <a:highlight>
+                            <a:srgbClr val="FFFFFF"/>
+                          </a:highlight>
+                        </a:rPr>
+                        <a:t>콘텐츠 유포 경로 및 유포자 관련 정보</a:t>
+                      </a:r>
+                      <a:r>
+                        <a:rPr lang="en-US" altLang="ko-KR" sz="1200" dirty="0">
+                          <a:highlight>
+                            <a:srgbClr val="FFFFFF"/>
+                          </a:highlight>
+                        </a:rPr>
+                        <a:t>.</a:t>
+                      </a:r>
+                    </a:p>
+                    <a:p>
+                      <a:r>
+                        <a:rPr lang="en-US" altLang="ko-KR" sz="1200" b="1" dirty="0">
+                          <a:highlight>
+                            <a:srgbClr val="FFFFFF"/>
+                          </a:highlight>
+                        </a:rPr>
+                        <a:t>4.</a:t>
+                      </a:r>
+                      <a:r>
+                        <a:rPr lang="ko-KR" altLang="en-US" sz="1200" b="1" dirty="0">
+                          <a:highlight>
+                            <a:srgbClr val="FFFFFF"/>
+                          </a:highlight>
+                        </a:rPr>
+                        <a:t>심리 지원 데이터</a:t>
+                      </a:r>
+                      <a:endParaRPr lang="ko-KR" altLang="en-US" sz="1200" dirty="0">
+                        <a:highlight>
+                          <a:srgbClr val="FFFFFF"/>
+                        </a:highlight>
+                      </a:endParaRPr>
+                    </a:p>
+                    <a:p>
+                      <a:pPr lvl="1"/>
+                      <a:r>
+                        <a:rPr lang="en-US" altLang="ko-KR" sz="1200" dirty="0">
+                          <a:highlight>
+                            <a:srgbClr val="FFFFFF"/>
+                          </a:highlight>
+                        </a:rPr>
+                        <a:t>- </a:t>
+                      </a:r>
+                      <a:r>
+                        <a:rPr lang="ko-KR" altLang="en-US" sz="1200" dirty="0">
+                          <a:highlight>
+                            <a:srgbClr val="FFFFFF"/>
+                          </a:highlight>
+                        </a:rPr>
+                        <a:t>피해자 심리 상담 기록 및 유형별 지원 요청 데이터</a:t>
+                      </a:r>
+                      <a:r>
+                        <a:rPr lang="en-US" altLang="ko-KR" sz="1200" dirty="0">
+                          <a:highlight>
+                            <a:srgbClr val="FFFFFF"/>
+                          </a:highlight>
+                        </a:rPr>
+                        <a:t>.</a:t>
+                      </a:r>
+                    </a:p>
+                    <a:p>
+                      <a:pPr marL="171450" lvl="1" indent="-171450">
+                        <a:buFontTx/>
+                        <a:buChar char="-"/>
+                      </a:pPr>
+                      <a:r>
+                        <a:rPr lang="ko-KR" altLang="en-US" sz="1200" dirty="0">
+                          <a:highlight>
+                            <a:srgbClr val="FFFFFF"/>
+                          </a:highlight>
+                        </a:rPr>
+                        <a:t>상담 유형과 효과성 데이터를 기반으로 </a:t>
+                      </a:r>
+                      <a:r>
+                        <a:rPr lang="en-US" altLang="ko-KR" sz="1200" dirty="0">
+                          <a:highlight>
+                            <a:srgbClr val="FFFFFF"/>
+                          </a:highlight>
+                        </a:rPr>
+                        <a:t>AI </a:t>
+                      </a:r>
+                      <a:r>
+                        <a:rPr lang="ko-KR" altLang="en-US" sz="1200" dirty="0">
+                          <a:highlight>
+                            <a:srgbClr val="FFFFFF"/>
+                          </a:highlight>
+                        </a:rPr>
+                        <a:t>모델 학습</a:t>
+                      </a:r>
+                      <a:r>
+                        <a:rPr lang="en-US" altLang="ko-KR" sz="1200" dirty="0">
+                          <a:highlight>
+                            <a:srgbClr val="FFFFFF"/>
+                          </a:highlight>
+                        </a:rPr>
+                        <a:t>.</a:t>
+                      </a:r>
+                    </a:p>
+                    <a:p>
+                      <a:pPr marL="0" lvl="1" indent="0">
+                        <a:buFontTx/>
+                        <a:buNone/>
+                      </a:pPr>
+                      <a:r>
+                        <a:rPr lang="en-US" altLang="ko-KR" sz="1200" b="0" dirty="0">
+                          <a:solidFill>
+                            <a:schemeClr val="tx1"/>
+                          </a:solidFill>
+                          <a:highlight>
+                            <a:srgbClr val="FFFFFF"/>
+                          </a:highlight>
+                          <a:latin typeface="+mn-lt"/>
+                          <a:ea typeface="+mn-ea"/>
+                        </a:rPr>
+                        <a:t>[</a:t>
+                      </a:r>
+                      <a:r>
+                        <a:rPr lang="en-US" altLang="ko-KR" sz="1200" b="1" dirty="0">
+                          <a:solidFill>
+                            <a:schemeClr val="tx1"/>
+                          </a:solidFill>
+                          <a:highlight>
+                            <a:srgbClr val="FFFFFF"/>
+                          </a:highlight>
+                          <a:latin typeface="+mn-lt"/>
+                          <a:ea typeface="+mn-ea"/>
+                        </a:rPr>
+                        <a:t>AI </a:t>
+                      </a:r>
+                      <a:r>
+                        <a:rPr lang="ko-KR" altLang="en-US" sz="1200" b="1" dirty="0">
+                          <a:solidFill>
+                            <a:schemeClr val="tx1"/>
+                          </a:solidFill>
+                          <a:highlight>
+                            <a:srgbClr val="FFFFFF"/>
+                          </a:highlight>
+                          <a:latin typeface="+mn-lt"/>
+                          <a:ea typeface="+mn-ea"/>
+                        </a:rPr>
+                        <a:t>모델</a:t>
+                      </a:r>
+                      <a:r>
+                        <a:rPr lang="en-US" altLang="ko-KR" sz="1200" b="0" dirty="0">
+                          <a:solidFill>
+                            <a:schemeClr val="tx1"/>
+                          </a:solidFill>
+                          <a:highlight>
+                            <a:srgbClr val="FFFFFF"/>
+                          </a:highlight>
+                          <a:latin typeface="+mn-lt"/>
+                          <a:ea typeface="+mn-ea"/>
+                        </a:rPr>
+                        <a:t>]</a:t>
+                      </a:r>
+                    </a:p>
+                    <a:p>
+                      <a:pPr marL="0" lvl="1" indent="0">
+                        <a:buFontTx/>
+                        <a:buNone/>
+                      </a:pPr>
+                      <a:r>
+                        <a:rPr lang="en-US" altLang="ko-KR" sz="1200" b="1" dirty="0">
+                          <a:solidFill>
+                            <a:schemeClr val="tx1"/>
+                          </a:solidFill>
+                          <a:highlight>
+                            <a:srgbClr val="FFFFFF"/>
+                          </a:highlight>
+                          <a:latin typeface="+mn-lt"/>
+                          <a:ea typeface="+mn-ea"/>
+                        </a:rPr>
+                        <a:t> </a:t>
+                      </a:r>
+                      <a:r>
+                        <a:rPr lang="en-US" altLang="ko-KR" sz="1200" b="1" dirty="0">
+                          <a:solidFill>
+                            <a:schemeClr val="tx1"/>
+                          </a:solidFill>
+                          <a:highlight>
+                            <a:srgbClr val="FFFFFF"/>
+                          </a:highlight>
+                          <a:latin typeface="나눔스퀘어 Bold" panose="020B0600000101010101" pitchFamily="50" charset="-127"/>
+                          <a:ea typeface="나눔스퀘어 Bold" panose="020B0600000101010101" pitchFamily="50" charset="-127"/>
+                        </a:rPr>
+                        <a:t>Yolov11</a:t>
+                      </a:r>
+                      <a:r>
+                        <a:rPr lang="ko-KR" altLang="en-US" sz="1200" b="1" dirty="0">
+                          <a:solidFill>
+                            <a:schemeClr val="tx1"/>
+                          </a:solidFill>
+                          <a:highlight>
+                            <a:srgbClr val="FFFFFF"/>
+                          </a:highlight>
+                          <a:latin typeface="나눔스퀘어 Bold" panose="020B0600000101010101" pitchFamily="50" charset="-127"/>
+                          <a:ea typeface="나눔스퀘어 Bold" panose="020B0600000101010101" pitchFamily="50" charset="-127"/>
+                        </a:rPr>
+                        <a:t>의 딥러닝 모델을 이용</a:t>
+                      </a:r>
+                    </a:p>
+                  </a:txBody>
+                  <a:tcPr marL="91450" marR="91450" marT="45725" marB="45725" anchor="ctr">
+                    <a:lnL w="12700" cap="flat" cmpd="sng" algn="ctr">
+                      <a:solidFill>
+                        <a:schemeClr val="tx1"/>
+                      </a:solidFill>
+                      <a:prstDash val="solid"/>
+                      <a:round/>
+                      <a:headEnd type="none" w="med" len="med"/>
+                      <a:tailEnd type="none" w="med" len="med"/>
+                    </a:lnL>
+                    <a:lnR w="12700" cap="flat" cmpd="sng" algn="ctr">
+                      <a:solidFill>
+                        <a:schemeClr val="tx1"/>
+                      </a:solidFill>
+                      <a:prstDash val="solid"/>
+                      <a:round/>
+                      <a:headEnd type="none" w="med" len="med"/>
+                      <a:tailEnd type="none" w="med" len="med"/>
+                    </a:lnR>
+                    <a:lnT w="12700" cap="flat" cmpd="sng" algn="ctr">
+                      <a:solidFill>
+                        <a:schemeClr val="tx1"/>
+                      </a:solidFill>
+                      <a:prstDash val="solid"/>
+                      <a:round/>
+                      <a:headEnd type="none" w="med" len="med"/>
+                      <a:tailEnd type="none" w="med" len="med"/>
+                    </a:lnT>
+                    <a:lnB w="12700" cap="flat" cmpd="sng" algn="ctr">
+                      <a:solidFill>
+                        <a:schemeClr val="tx1"/>
+                      </a:solidFill>
+                      <a:prstDash val="solid"/>
+                      <a:round/>
+                      <a:headEnd type="none" w="med" len="med"/>
+                      <a:tailEnd type="none" w="med" len="med"/>
+                    </a:lnB>
+                    <a:solidFill>
+                      <a:schemeClr val="bg1"/>
+                    </a:solidFill>
+                  </a:tcPr>
+                </a:tc>
+                <a:extLst>
+                  <a:ext uri="{0D108BD9-81ED-4DB2-BD59-A6C34878D82A}">
+                    <a16:rowId xmlns:a16="http://schemas.microsoft.com/office/drawing/2014/main" val="4247054753"/>
+                  </a:ext>
+                </a:extLst>
+              </a:tr>
+              <a:tr h="1336206">
+                <a:tc>
+                  <a:txBody>
+                    <a:bodyPr/>
+                    <a:lstStyle/>
+                    <a:p>
+                      <a:pPr marL="0" marR="0" lvl="0" indent="0" algn="ctr" defTabSz="914400" rtl="0" eaLnBrk="1" fontAlgn="auto" latinLnBrk="0" hangingPunct="1">
+                        <a:lnSpc>
+                          <a:spcPct val="100000"/>
+                        </a:lnSpc>
+                        <a:spcBef>
+                          <a:spcPts val="0"/>
+                        </a:spcBef>
+                        <a:spcAft>
+                          <a:spcPts val="0"/>
+                        </a:spcAft>
+                        <a:buClr>
+                          <a:srgbClr val="000000"/>
+                        </a:buClr>
+                        <a:buSzTx/>
+                        <a:buFont typeface="Arial"/>
+                        <a:buNone/>
+                        <a:tabLst/>
+                        <a:defRPr/>
+                      </a:pPr>
+                      <a:r>
+                        <a:rPr lang="ko-KR" altLang="en-US" sz="1600" b="1" u="none" strike="noStrike" cap="none" dirty="0">
+                          <a:solidFill>
+                            <a:schemeClr val="tx1"/>
+                          </a:solidFill>
+                          <a:latin typeface="나눔스퀘어 Bold" panose="020B0600000101010101" pitchFamily="50" charset="-127"/>
+                          <a:ea typeface="나눔스퀘어 Bold" panose="020B0600000101010101" pitchFamily="50" charset="-127"/>
+                        </a:rPr>
+                        <a:t>기대 효과</a:t>
+                      </a:r>
+                    </a:p>
+                  </a:txBody>
+                  <a:tcPr marL="91450" marR="91450" marT="45725" marB="45725" anchor="ctr">
+                    <a:lnL w="12700" cap="flat" cmpd="sng" algn="ctr">
+                      <a:solidFill>
+                        <a:schemeClr val="tx1"/>
+                      </a:solidFill>
+                      <a:prstDash val="solid"/>
+                      <a:round/>
+                      <a:headEnd type="none" w="med" len="med"/>
+                      <a:tailEnd type="none" w="med" len="med"/>
+                    </a:lnL>
+                    <a:lnR w="12700" cap="flat" cmpd="sng" algn="ctr">
+                      <a:solidFill>
+                        <a:schemeClr val="tx1"/>
+                      </a:solidFill>
+                      <a:prstDash val="solid"/>
+                      <a:round/>
+                      <a:headEnd type="none" w="med" len="med"/>
+                      <a:tailEnd type="none" w="med" len="med"/>
+                    </a:lnR>
+                    <a:lnT w="12700" cap="flat" cmpd="sng" algn="ctr">
+                      <a:solidFill>
+                        <a:schemeClr val="tx1"/>
+                      </a:solidFill>
+                      <a:prstDash val="solid"/>
+                      <a:round/>
+                      <a:headEnd type="none" w="med" len="med"/>
+                      <a:tailEnd type="none" w="med" len="med"/>
+                    </a:lnT>
+                    <a:lnB w="12700" cap="flat" cmpd="sng" algn="ctr">
+                      <a:solidFill>
+                        <a:schemeClr val="tx1"/>
+                      </a:solidFill>
+                      <a:prstDash val="solid"/>
+                      <a:round/>
+                      <a:headEnd type="none" w="med" len="med"/>
+                      <a:tailEnd type="none" w="med" len="med"/>
+                    </a:lnB>
+                  </a:tcPr>
+                </a:tc>
+                <a:tc>
                   <a:txBody>
                     <a:bodyPr/>
                     <a:lstStyle/>
@@ -6393,28 +7200,94 @@
                         <a:defRPr/>
                       </a:pPr>
                       <a:r>
-                        <a:rPr lang="ko-KR" altLang="en-US" sz="1400" b="1" dirty="0">
-                          <a:solidFill>
-                            <a:schemeClr val="bg1">
-                              <a:lumMod val="75000"/>
-                            </a:schemeClr>
-                          </a:solidFill>
-                          <a:latin typeface="나눔스퀘어 Bold" panose="020B0600000101010101" pitchFamily="50" charset="-127"/>
-                          <a:ea typeface="나눔스퀘어 Bold" panose="020B0600000101010101" pitchFamily="50" charset="-127"/>
-                        </a:rPr>
-                        <a:t>누구의 어떤 것을 어떻게 해결해 줄 수 있는가</a:t>
-                      </a:r>
-                      <a:r>
-                        <a:rPr lang="en-US" altLang="ko-KR" sz="1400" b="1" dirty="0">
-                          <a:solidFill>
-                            <a:schemeClr val="bg1">
-                              <a:lumMod val="75000"/>
-                            </a:schemeClr>
-                          </a:solidFill>
-                          <a:latin typeface="나눔스퀘어 Bold" panose="020B0600000101010101" pitchFamily="50" charset="-127"/>
-                          <a:ea typeface="나눔스퀘어 Bold" panose="020B0600000101010101" pitchFamily="50" charset="-127"/>
-                        </a:rPr>
-                        <a:t>?</a:t>
+                        <a:rPr lang="ko-KR" altLang="en-US" sz="1400" dirty="0"/>
+                        <a:t>실시간 </a:t>
+                      </a:r>
+                      <a:r>
+                        <a:rPr lang="ko-KR" altLang="en-US" sz="1400" dirty="0" err="1"/>
+                        <a:t>딥페이크</a:t>
+                      </a:r>
+                      <a:r>
+                        <a:rPr lang="ko-KR" altLang="en-US" sz="1400" dirty="0"/>
+                        <a:t> 탐지 및 삭제 시스템으로 콘텐츠 처리 시간 </a:t>
+                      </a:r>
+                      <a:r>
+                        <a:rPr lang="en-US" altLang="ko-KR" sz="1400" dirty="0"/>
+                        <a:t>90% </a:t>
+                      </a:r>
+                      <a:r>
+                        <a:rPr lang="ko-KR" altLang="en-US" sz="1400" dirty="0"/>
+                        <a:t>단축</a:t>
+                      </a:r>
+                      <a:r>
+                        <a:rPr lang="en-US" altLang="ko-KR" sz="1400" dirty="0"/>
+                        <a:t>.</a:t>
+                      </a:r>
+                    </a:p>
+                    <a:p>
+                      <a:pPr marL="0" marR="0" lvl="0" indent="0" algn="ctr" defTabSz="914400" rtl="0" eaLnBrk="1" fontAlgn="auto" latinLnBrk="0" hangingPunct="1">
+                        <a:lnSpc>
+                          <a:spcPct val="115000"/>
+                        </a:lnSpc>
+                        <a:spcBef>
+                          <a:spcPts val="2400"/>
+                        </a:spcBef>
+                        <a:spcAft>
+                          <a:spcPts val="0"/>
+                        </a:spcAft>
+                        <a:buClr>
+                          <a:srgbClr val="000000"/>
+                        </a:buClr>
+                        <a:buSzPts val="1100"/>
+                        <a:buFont typeface="Arial"/>
+                        <a:buNone/>
+                        <a:tabLst/>
+                        <a:defRPr/>
+                      </a:pPr>
+                      <a:r>
+                        <a:rPr lang="ko-KR" altLang="en-US" sz="1400" dirty="0"/>
+                        <a:t>여성가족부가 첨단 </a:t>
+                      </a:r>
+                      <a:r>
+                        <a:rPr lang="en-US" altLang="ko-KR" sz="1400" dirty="0"/>
+                        <a:t>AI </a:t>
+                      </a:r>
+                      <a:r>
+                        <a:rPr lang="ko-KR" altLang="en-US" sz="1400" dirty="0"/>
+                        <a:t>기술을 도입해 디지털 성범죄 대응 리더로 자리매김</a:t>
+                      </a:r>
+                      <a:r>
+                        <a:rPr lang="en-US" altLang="ko-KR" sz="1400" dirty="0"/>
+                        <a:t>.</a:t>
+                      </a:r>
+                    </a:p>
+                    <a:p>
+                      <a:pPr marL="0" marR="0" lvl="0" indent="0" algn="ctr" defTabSz="914400" rtl="0" eaLnBrk="1" fontAlgn="auto" latinLnBrk="0" hangingPunct="1">
+                        <a:lnSpc>
+                          <a:spcPct val="115000"/>
+                        </a:lnSpc>
+                        <a:spcBef>
+                          <a:spcPts val="2400"/>
+                        </a:spcBef>
+                        <a:spcAft>
+                          <a:spcPts val="0"/>
+                        </a:spcAft>
+                        <a:buClr>
+                          <a:srgbClr val="000000"/>
+                        </a:buClr>
+                        <a:buSzPts val="1100"/>
+                        <a:buFont typeface="Arial"/>
+                        <a:buNone/>
+                        <a:tabLst/>
+                        <a:defRPr/>
+                      </a:pPr>
+                      <a:r>
+                        <a:rPr lang="ko-KR" altLang="en-US" sz="1400" dirty="0"/>
+                        <a:t>기존 수작업 탐지와 법적 대응 과정에서 소모되는 인력 및 행정 비용 절감</a:t>
+                      </a:r>
+                      <a:r>
+                        <a:rPr lang="en-US" altLang="ko-KR" sz="1400" dirty="0"/>
+                        <a:t>.</a:t>
                       </a:r>
                       <a:endParaRPr lang="ko-KR" altLang="en-US" sz="1400" b="1" dirty="0">
                         <a:solidFill>
@@ -6469,31 +7342,9 @@
                     </a:solidFill>
                   </a:tcPr>
                 </a:tc>
-                <a:tc hMerge="1">
-                  <a:txBody>
-                    <a:bodyPr/>
-                    <a:lstStyle/>
-                    <a:p>
-                      <a:pPr latinLnBrk="1"/>
-                      <a:endParaRPr lang="ko-KR" altLang="en-US"/>
-                    </a:p>
-                  </a:txBody>
-                  <a:tcPr/>
-                </a:tc>
-                <a:tc hMerge="1">
-                  <a:txBody>
-                    <a:bodyPr/>
-                    <a:lstStyle/>
-                    <a:p>
-                      <a:pPr latinLnBrk="1"/>
-                      <a:endParaRPr lang="ko-KR" altLang="en-US"/>
-                    </a:p>
-                  </a:txBody>
-                  <a:tcPr/>
-                </a:tc>
                 <a:extLst>
                   <a:ext uri="{0D108BD9-81ED-4DB2-BD59-A6C34878D82A}">
-                    <a16:rowId xmlns:a16="http://schemas.microsoft.com/office/drawing/2014/main" val="1176680800"/>
+                    <a16:rowId xmlns:a16="http://schemas.microsoft.com/office/drawing/2014/main" val="1716831094"/>
                   </a:ext>
                 </a:extLst>
               </a:tr>
@@ -6504,7 +7355,7 @@
     </p:spTree>
     <p:extLst>
       <p:ext uri="{BB962C8B-B14F-4D97-AF65-F5344CB8AC3E}">
-        <p14:creationId xmlns:p14="http://schemas.microsoft.com/office/powerpoint/2010/main" val="3624926231"/>
+        <p14:creationId xmlns:p14="http://schemas.microsoft.com/office/powerpoint/2010/main" val="2944695060"/>
       </p:ext>
     </p:extLst>
   </p:cSld>
@@ -6514,7 +7365,7 @@
 </p:sld>
 </file>
 
-<file path=ppt/slides/slide2.xml><?xml version="1.0" encoding="utf-8"?>
+<file path=ppt/slides/slide3.xml><?xml version="1.0" encoding="utf-8"?>
 <p:sld xmlns:a="http://schemas.openxmlformats.org/drawingml/2006/main" xmlns:r="http://schemas.openxmlformats.org/officeDocument/2006/relationships" xmlns:p="http://schemas.openxmlformats.org/presentationml/2006/main">
   <p:cSld>
     <p:spTree>
@@ -10568,6 +11419,26 @@
 </file>
 
 <file path=customXml/item1.xml><?xml version="1.0" encoding="utf-8"?>
+<?mso-contentType ?>
+<FormTemplates xmlns="http://schemas.microsoft.com/sharepoint/v3/contenttype/forms">
+  <Display>DocumentLibraryForm</Display>
+  <Edit>DocumentLibraryForm</Edit>
+  <New>DocumentLibraryForm</New>
+</FormTemplates>
+</file>
+
+<file path=customXml/item2.xml><?xml version="1.0" encoding="utf-8"?>
+<p:properties xmlns:p="http://schemas.microsoft.com/office/2006/metadata/properties" xmlns:xsi="http://www.w3.org/2001/XMLSchema-instance" xmlns:pc="http://schemas.microsoft.com/office/infopath/2007/PartnerControls">
+  <documentManagement>
+    <TaxCatchAll xmlns="1f1919ae-71d8-4e78-b1bd-1ce78ec43a0b" xsi:nil="true"/>
+    <lcf76f155ced4ddcb4097134ff3c332f xmlns="677f369c-0c7e-4879-9dfb-6cea400ef005">
+      <Terms xmlns="http://schemas.microsoft.com/office/infopath/2007/PartnerControls"/>
+    </lcf76f155ced4ddcb4097134ff3c332f>
+  </documentManagement>
+</p:properties>
+</file>
+
+<file path=customXml/item3.xml><?xml version="1.0" encoding="utf-8"?>
 <ct:contentTypeSchema xmlns:ct="http://schemas.microsoft.com/office/2006/metadata/contentType" xmlns:ma="http://schemas.microsoft.com/office/2006/metadata/properties/metaAttributes" ct:_="" ma:_="" ma:contentTypeName="문서" ma:contentTypeID="0x010100E7C302623EB9324799900221F4FFEB85" ma:contentTypeVersion="19" ma:contentTypeDescription="새 문서를 만듭니다." ma:contentTypeScope="" ma:versionID="ae7033b523457a225313f209514cfa61">
   <xsd:schema xmlns:xsd="http://www.w3.org/2001/XMLSchema" xmlns:xs="http://www.w3.org/2001/XMLSchema" xmlns:p="http://schemas.microsoft.com/office/2006/metadata/properties" xmlns:ns2="677f369c-0c7e-4879-9dfb-6cea400ef005" xmlns:ns3="1f1919ae-71d8-4e78-b1bd-1ce78ec43a0b" targetNamespace="http://schemas.microsoft.com/office/2006/metadata/properties" ma:root="true" ma:fieldsID="4ff836d7b68e46d79db0c6fbef9bf536" ns2:_="" ns3:_="">
     <xsd:import namespace="677f369c-0c7e-4879-9dfb-6cea400ef005"/>
@@ -10822,41 +11693,10 @@
 </ct:contentTypeSchema>
 </file>
 
-<file path=customXml/item2.xml><?xml version="1.0" encoding="utf-8"?>
-<p:properties xmlns:p="http://schemas.microsoft.com/office/2006/metadata/properties" xmlns:xsi="http://www.w3.org/2001/XMLSchema-instance" xmlns:pc="http://schemas.microsoft.com/office/infopath/2007/PartnerControls">
-  <documentManagement>
-    <TaxCatchAll xmlns="1f1919ae-71d8-4e78-b1bd-1ce78ec43a0b" xsi:nil="true"/>
-    <lcf76f155ced4ddcb4097134ff3c332f xmlns="677f369c-0c7e-4879-9dfb-6cea400ef005">
-      <Terms xmlns="http://schemas.microsoft.com/office/infopath/2007/PartnerControls"/>
-    </lcf76f155ced4ddcb4097134ff3c332f>
-  </documentManagement>
-</p:properties>
-</file>
-
-<file path=customXml/item3.xml><?xml version="1.0" encoding="utf-8"?>
-<?mso-contentType ?>
-<FormTemplates xmlns="http://schemas.microsoft.com/sharepoint/v3/contenttype/forms">
-  <Display>DocumentLibraryForm</Display>
-  <Edit>DocumentLibraryForm</Edit>
-  <New>DocumentLibraryForm</New>
-</FormTemplates>
-</file>
-
 <file path=customXml/itemProps1.xml><?xml version="1.0" encoding="utf-8"?>
-<ds:datastoreItem xmlns:ds="http://schemas.openxmlformats.org/officeDocument/2006/customXml" ds:itemID="{970F8390-6E74-4A79-9421-4644E21F9783}">
+<ds:datastoreItem xmlns:ds="http://schemas.openxmlformats.org/officeDocument/2006/customXml" ds:itemID="{EB6E4AB4-6812-4825-A477-08F4E470421C}">
   <ds:schemaRefs>
-    <ds:schemaRef ds:uri="http://schemas.microsoft.com/office/2006/metadata/contentType"/>
-    <ds:schemaRef ds:uri="http://schemas.microsoft.com/office/2006/metadata/properties/metaAttributes"/>
-    <ds:schemaRef ds:uri="http://www.w3.org/2001/XMLSchema"/>
-    <ds:schemaRef ds:uri="http://schemas.microsoft.com/office/2006/metadata/properties"/>
-    <ds:schemaRef ds:uri="677f369c-0c7e-4879-9dfb-6cea400ef005"/>
-    <ds:schemaRef ds:uri="1f1919ae-71d8-4e78-b1bd-1ce78ec43a0b"/>
-    <ds:schemaRef ds:uri="http://schemas.microsoft.com/office/2006/documentManagement/types"/>
-    <ds:schemaRef ds:uri="http://schemas.microsoft.com/office/infopath/2007/PartnerControls"/>
-    <ds:schemaRef ds:uri="http://schemas.openxmlformats.org/package/2006/metadata/core-properties"/>
-    <ds:schemaRef ds:uri="http://purl.org/dc/elements/1.1/"/>
-    <ds:schemaRef ds:uri="http://purl.org/dc/terms/"/>
-    <ds:schemaRef ds:uri="http://schemas.microsoft.com/internal/obd"/>
+    <ds:schemaRef ds:uri="http://schemas.microsoft.com/sharepoint/v3/contenttype/forms"/>
   </ds:schemaRefs>
 </ds:datastoreItem>
 </file>
@@ -10883,9 +11723,20 @@
 </file>
 
 <file path=customXml/itemProps3.xml><?xml version="1.0" encoding="utf-8"?>
-<ds:datastoreItem xmlns:ds="http://schemas.openxmlformats.org/officeDocument/2006/customXml" ds:itemID="{EB6E4AB4-6812-4825-A477-08F4E470421C}">
+<ds:datastoreItem xmlns:ds="http://schemas.openxmlformats.org/officeDocument/2006/customXml" ds:itemID="{970F8390-6E74-4A79-9421-4644E21F9783}">
   <ds:schemaRefs>
-    <ds:schemaRef ds:uri="http://schemas.microsoft.com/sharepoint/v3/contenttype/forms"/>
+    <ds:schemaRef ds:uri="http://schemas.microsoft.com/office/2006/metadata/contentType"/>
+    <ds:schemaRef ds:uri="http://schemas.microsoft.com/office/2006/metadata/properties/metaAttributes"/>
+    <ds:schemaRef ds:uri="http://www.w3.org/2001/XMLSchema"/>
+    <ds:schemaRef ds:uri="http://schemas.microsoft.com/office/2006/metadata/properties"/>
+    <ds:schemaRef ds:uri="677f369c-0c7e-4879-9dfb-6cea400ef005"/>
+    <ds:schemaRef ds:uri="1f1919ae-71d8-4e78-b1bd-1ce78ec43a0b"/>
+    <ds:schemaRef ds:uri="http://schemas.microsoft.com/office/2006/documentManagement/types"/>
+    <ds:schemaRef ds:uri="http://schemas.microsoft.com/office/infopath/2007/PartnerControls"/>
+    <ds:schemaRef ds:uri="http://schemas.openxmlformats.org/package/2006/metadata/core-properties"/>
+    <ds:schemaRef ds:uri="http://purl.org/dc/elements/1.1/"/>
+    <ds:schemaRef ds:uri="http://purl.org/dc/terms/"/>
+    <ds:schemaRef ds:uri="http://schemas.microsoft.com/internal/obd"/>
   </ds:schemaRefs>
 </ds:datastoreItem>
 </file>